--- a/project_presentation.pptx
+++ b/project_presentation.pptx
@@ -5,7 +5,7 @@
     <p:sldMasterId id="2147483648" r:id="rId1"/>
   </p:sldMasterIdLst>
   <p:notesMasterIdLst>
-    <p:notesMasterId r:id="rId10"/>
+    <p:notesMasterId r:id="rId11"/>
   </p:notesMasterIdLst>
   <p:sldIdLst>
     <p:sldId id="256" r:id="rId2"/>
@@ -13,9 +13,10 @@
     <p:sldId id="265" r:id="rId4"/>
     <p:sldId id="257" r:id="rId5"/>
     <p:sldId id="263" r:id="rId6"/>
-    <p:sldId id="264" r:id="rId7"/>
-    <p:sldId id="260" r:id="rId8"/>
-    <p:sldId id="261" r:id="rId9"/>
+    <p:sldId id="260" r:id="rId7"/>
+    <p:sldId id="261" r:id="rId8"/>
+    <p:sldId id="264" r:id="rId9"/>
+    <p:sldId id="267" r:id="rId10"/>
   </p:sldIdLst>
   <p:sldSz cx="12192000" cy="6858000"/>
   <p:notesSz cx="6858000" cy="9144000"/>
@@ -550,6 +551,102 @@
     <p:extLst>
       <p:ext uri="{BB962C8B-B14F-4D97-AF65-F5344CB8AC3E}">
         <p14:creationId xmlns:p14="http://schemas.microsoft.com/office/powerpoint/2010/main" val="117416332"/>
+      </p:ext>
+    </p:extLst>
+  </p:cSld>
+  <p:clrMapOvr>
+    <a:masterClrMapping/>
+  </p:clrMapOvr>
+</p:notes>
+</file>
+
+<file path=ppt/notesSlides/notesSlide2.xml><?xml version="1.0" encoding="utf-8"?>
+<p:notes xmlns:a="http://schemas.openxmlformats.org/drawingml/2006/main" xmlns:r="http://schemas.openxmlformats.org/officeDocument/2006/relationships" xmlns:p="http://schemas.openxmlformats.org/presentationml/2006/main">
+  <p:cSld>
+    <p:spTree>
+      <p:nvGrpSpPr>
+        <p:cNvPr id="1" name=""/>
+        <p:cNvGrpSpPr/>
+        <p:nvPr/>
+      </p:nvGrpSpPr>
+      <p:grpSpPr>
+        <a:xfrm>
+          <a:off x="0" y="0"/>
+          <a:ext cx="0" cy="0"/>
+          <a:chOff x="0" y="0"/>
+          <a:chExt cx="0" cy="0"/>
+        </a:xfrm>
+      </p:grpSpPr>
+      <p:sp>
+        <p:nvSpPr>
+          <p:cNvPr id="2" name="Slide Image Placeholder 1"/>
+          <p:cNvSpPr>
+            <a:spLocks noGrp="1" noRot="1" noChangeAspect="1"/>
+          </p:cNvSpPr>
+          <p:nvPr>
+            <p:ph type="sldImg"/>
+          </p:nvPr>
+        </p:nvSpPr>
+        <p:spPr/>
+      </p:sp>
+      <p:sp>
+        <p:nvSpPr>
+          <p:cNvPr id="3" name="Notes Placeholder 2"/>
+          <p:cNvSpPr>
+            <a:spLocks noGrp="1"/>
+          </p:cNvSpPr>
+          <p:nvPr>
+            <p:ph type="body" idx="1"/>
+          </p:nvPr>
+        </p:nvSpPr>
+        <p:spPr/>
+        <p:txBody>
+          <a:bodyPr/>
+          <a:lstStyle/>
+          <a:p>
+            <a:r>
+              <a:rPr lang="ru-RU" sz="1200" b="0" i="0" u="none" strike="noStrike" kern="1200" dirty="0">
+                <a:solidFill>
+                  <a:schemeClr val="tx1"/>
+                </a:solidFill>
+                <a:effectLst/>
+                <a:latin typeface="+mn-lt"/>
+                <a:ea typeface="+mn-ea"/>
+                <a:cs typeface="+mn-cs"/>
+              </a:rPr>
+              <a:t>К настоящему времени, в отличие от машинного зрения, машинный слух находится на начальной стадии своего развития. Однако, это перспективная область для исследований, поскольку при относительно слабой изученности наблюдается повышенный спрос на решение задач в области его применения.</a:t>
+            </a:r>
+            <a:endParaRPr lang="ru-RU" dirty="0"/>
+          </a:p>
+        </p:txBody>
+      </p:sp>
+      <p:sp>
+        <p:nvSpPr>
+          <p:cNvPr id="4" name="Slide Number Placeholder 3"/>
+          <p:cNvSpPr>
+            <a:spLocks noGrp="1"/>
+          </p:cNvSpPr>
+          <p:nvPr>
+            <p:ph type="sldNum" sz="quarter" idx="5"/>
+          </p:nvPr>
+        </p:nvSpPr>
+        <p:spPr/>
+        <p:txBody>
+          <a:bodyPr/>
+          <a:lstStyle/>
+          <a:p>
+            <a:fld id="{D5988525-6042-0A4C-98AE-FEF68D858382}" type="slidenum">
+              <a:rPr lang="ru-RU" smtClean="0"/>
+              <a:t>9</a:t>
+            </a:fld>
+            <a:endParaRPr lang="ru-RU"/>
+          </a:p>
+        </p:txBody>
+      </p:sp>
+    </p:spTree>
+    <p:extLst>
+      <p:ext uri="{BB962C8B-B14F-4D97-AF65-F5344CB8AC3E}">
+        <p14:creationId xmlns:p14="http://schemas.microsoft.com/office/powerpoint/2010/main" val="20245443"/>
       </p:ext>
     </p:extLst>
   </p:cSld>
@@ -3747,8 +3844,8 @@
         </p:nvSpPr>
         <p:spPr>
           <a:xfrm>
-            <a:off x="627797" y="3690923"/>
-            <a:ext cx="6520717" cy="1300356"/>
+            <a:off x="627797" y="3937143"/>
+            <a:ext cx="6520717" cy="807913"/>
           </a:xfrm>
           <a:prstGeom prst="rect">
             <a:avLst/>
@@ -4023,141 +4120,28 @@
               <a:defRPr/>
             </a:pPr>
             <a:r>
-              <a:rPr kumimoji="0" lang="ru-RU" sz="1600" b="0" i="0" u="none" strike="noStrike" kern="1200" cap="none" spc="0" normalizeH="0" baseline="0" noProof="0" dirty="0">
-                <a:ln>
-                  <a:noFill/>
-                </a:ln>
+              <a:rPr lang="ru-RU" sz="1600" dirty="0">
                 <a:solidFill>
                   <a:sysClr val="window" lastClr="FFFFFF"/>
                 </a:solidFill>
-                <a:effectLst/>
-                <a:uLnTx/>
-                <a:uFillTx/>
                 <a:latin typeface="Arial Black" panose="020B0A04020102020204" pitchFamily="34" charset="0"/>
                 <a:cs typeface="Arial" panose="020B0604020202020204" pitchFamily="34" charset="0"/>
               </a:rPr>
-              <a:t>Голубев Антон</a:t>
-            </a:r>
-          </a:p>
-          <a:p>
-            <a:pPr marL="0" marR="0" lvl="0" indent="0" algn="l" defTabSz="685800" rtl="0" eaLnBrk="1" fontAlgn="auto" latinLnBrk="0" hangingPunct="1">
-              <a:lnSpc>
-                <a:spcPct val="100000"/>
-              </a:lnSpc>
-              <a:spcBef>
-                <a:spcPts val="0"/>
-              </a:spcBef>
-              <a:spcAft>
-                <a:spcPts val="0"/>
-              </a:spcAft>
-              <a:buClr>
-                <a:srgbClr val="D34817">
-                  <a:lumMod val="75000"/>
-                </a:srgbClr>
-              </a:buClr>
-              <a:buSzPct val="85000"/>
-              <a:buFontTx/>
-              <a:buNone/>
-              <a:tabLst/>
-              <a:defRPr/>
-            </a:pPr>
-            <a:r>
-              <a:rPr kumimoji="0" lang="ru-RU" sz="1600" b="0" i="0" u="none" strike="noStrike" kern="1200" cap="none" spc="0" normalizeH="0" baseline="0" noProof="0" dirty="0" err="1">
-                <a:ln>
-                  <a:noFill/>
-                </a:ln>
-                <a:solidFill>
-                  <a:sysClr val="window" lastClr="FFFFFF"/>
-                </a:solidFill>
-                <a:effectLst/>
-                <a:uLnTx/>
-                <a:uFillTx/>
-                <a:latin typeface="Arial Black" panose="020B0A04020102020204" pitchFamily="34" charset="0"/>
-                <a:cs typeface="Arial" panose="020B0604020202020204" pitchFamily="34" charset="0"/>
-              </a:rPr>
-              <a:t>Купцова</a:t>
-            </a:r>
-            <a:r>
-              <a:rPr kumimoji="0" lang="ru-RU" sz="1600" b="0" i="0" u="none" strike="noStrike" kern="1200" cap="none" spc="0" normalizeH="0" baseline="0" noProof="0" dirty="0">
-                <a:ln>
-                  <a:noFill/>
-                </a:ln>
-                <a:solidFill>
-                  <a:sysClr val="window" lastClr="FFFFFF"/>
-                </a:solidFill>
-                <a:effectLst/>
-                <a:uLnTx/>
-                <a:uFillTx/>
-                <a:latin typeface="Arial Black" panose="020B0A04020102020204" pitchFamily="34" charset="0"/>
-                <a:cs typeface="Arial" panose="020B0604020202020204" pitchFamily="34" charset="0"/>
-              </a:rPr>
-              <a:t> Анастасия</a:t>
-            </a:r>
-          </a:p>
-          <a:p>
-            <a:pPr marL="0" marR="0" lvl="0" indent="0" algn="l" defTabSz="685800" rtl="0" eaLnBrk="1" fontAlgn="auto" latinLnBrk="0" hangingPunct="1">
-              <a:lnSpc>
-                <a:spcPct val="100000"/>
-              </a:lnSpc>
-              <a:spcBef>
-                <a:spcPts val="0"/>
-              </a:spcBef>
-              <a:spcAft>
-                <a:spcPts val="0"/>
-              </a:spcAft>
-              <a:buClr>
-                <a:srgbClr val="D34817">
-                  <a:lumMod val="75000"/>
-                </a:srgbClr>
-              </a:buClr>
-              <a:buSzPct val="85000"/>
-              <a:buFontTx/>
-              <a:buNone/>
-              <a:tabLst/>
-              <a:defRPr/>
-            </a:pPr>
-            <a:r>
-              <a:rPr lang="ru-RU" sz="1600" dirty="0">
-                <a:solidFill>
-                  <a:sysClr val="window" lastClr="FFFFFF"/>
-                </a:solidFill>
-                <a:latin typeface="Arial Black" panose="020B0A04020102020204" pitchFamily="34" charset="0"/>
-                <a:cs typeface="Arial" panose="020B0604020202020204" pitchFamily="34" charset="0"/>
-              </a:rPr>
-              <a:t>У</a:t>
-            </a:r>
-            <a:r>
-              <a:rPr kumimoji="0" lang="ru-RU" sz="1600" b="0" i="0" u="none" strike="noStrike" kern="1200" cap="none" spc="0" normalizeH="0" baseline="0" noProof="0" dirty="0" err="1">
-                <a:ln>
-                  <a:noFill/>
-                </a:ln>
-                <a:solidFill>
-                  <a:sysClr val="window" lastClr="FFFFFF"/>
-                </a:solidFill>
-                <a:effectLst/>
-                <a:uLnTx/>
-                <a:uFillTx/>
-                <a:latin typeface="Arial Black" panose="020B0A04020102020204" pitchFamily="34" charset="0"/>
-                <a:cs typeface="Arial" panose="020B0604020202020204" pitchFamily="34" charset="0"/>
-              </a:rPr>
-              <a:t>шакова</a:t>
-            </a:r>
-            <a:r>
-              <a:rPr kumimoji="0" lang="ru-RU" sz="1600" b="0" i="0" u="none" strike="noStrike" kern="1200" cap="none" spc="0" normalizeH="0" baseline="0" noProof="0" dirty="0">
-                <a:ln>
-                  <a:noFill/>
-                </a:ln>
-                <a:solidFill>
-                  <a:sysClr val="window" lastClr="FFFFFF"/>
-                </a:solidFill>
-                <a:effectLst/>
-                <a:uLnTx/>
-                <a:uFillTx/>
-                <a:latin typeface="Arial Black" panose="020B0A04020102020204" pitchFamily="34" charset="0"/>
-                <a:cs typeface="Arial" panose="020B0604020202020204" pitchFamily="34" charset="0"/>
-              </a:rPr>
-              <a:t> Кристина</a:t>
-            </a:r>
+              <a:t>Команда «Уши Бобра Кирюши»</a:t>
+            </a:r>
+            <a:endParaRPr kumimoji="0" lang="en-US" sz="1600" b="0" i="0" u="none" strike="noStrike" kern="1200" cap="none" spc="0" normalizeH="0" baseline="0" noProof="0" dirty="0">
+              <a:ln>
+                <a:noFill/>
+              </a:ln>
+              <a:solidFill>
+                <a:sysClr val="window" lastClr="FFFFFF"/>
+              </a:solidFill>
+              <a:effectLst/>
+              <a:uLnTx/>
+              <a:uFillTx/>
+              <a:latin typeface="Arial Black" panose="020B0A04020102020204" pitchFamily="34" charset="0"/>
+              <a:cs typeface="Arial" panose="020B0604020202020204" pitchFamily="34" charset="0"/>
+            </a:endParaRPr>
           </a:p>
           <a:p>
             <a:pPr marL="0" marR="0" lvl="0" indent="0" algn="l" defTabSz="685800" rtl="0" eaLnBrk="1" fontAlgn="auto" latinLnBrk="0" hangingPunct="1">
@@ -4275,6 +4259,472 @@
               </a:rPr>
               <a:t> Яковенко</a:t>
             </a:r>
+            <a:endParaRPr kumimoji="0" lang="ru-RU" sz="1600" b="0" i="0" u="none" strike="noStrike" kern="1200" cap="none" spc="0" normalizeH="0" baseline="0" noProof="0" dirty="0">
+              <a:ln>
+                <a:noFill/>
+              </a:ln>
+              <a:solidFill>
+                <a:sysClr val="window" lastClr="FFFFFF"/>
+              </a:solidFill>
+              <a:effectLst/>
+              <a:uLnTx/>
+              <a:uFillTx/>
+              <a:latin typeface="Arial Black" panose="020B0A04020102020204" pitchFamily="34" charset="0"/>
+              <a:cs typeface="Arial" panose="020B0604020202020204" pitchFamily="34" charset="0"/>
+            </a:endParaRPr>
+          </a:p>
+        </p:txBody>
+      </p:sp>
+      <p:sp>
+        <p:nvSpPr>
+          <p:cNvPr id="5" name="Text Placeholder 3">
+            <a:extLst>
+              <a:ext uri="{FF2B5EF4-FFF2-40B4-BE49-F238E27FC236}">
+                <a16:creationId xmlns:a16="http://schemas.microsoft.com/office/drawing/2014/main" id="{45E9B0EF-48E1-4D41-A2ED-7955FA4C56A6}"/>
+              </a:ext>
+            </a:extLst>
+          </p:cNvPr>
+          <p:cNvSpPr txBox="1">
+            <a:spLocks/>
+          </p:cNvSpPr>
+          <p:nvPr/>
+        </p:nvSpPr>
+        <p:spPr>
+          <a:xfrm>
+            <a:off x="5043486" y="3937143"/>
+            <a:ext cx="6520717" cy="1054135"/>
+          </a:xfrm>
+          <a:prstGeom prst="rect">
+            <a:avLst/>
+          </a:prstGeom>
+        </p:spPr>
+        <p:txBody>
+          <a:bodyPr vert="horz" wrap="square" lIns="68580" tIns="34290" rIns="68580" bIns="34290" rtlCol="0">
+            <a:spAutoFit/>
+          </a:bodyPr>
+          <a:lstStyle>
+            <a:lvl1pPr marL="0" indent="0" algn="l" defTabSz="685800" rtl="0" eaLnBrk="1" latinLnBrk="0" hangingPunct="1">
+              <a:lnSpc>
+                <a:spcPct val="100000"/>
+              </a:lnSpc>
+              <a:spcBef>
+                <a:spcPts val="0"/>
+              </a:spcBef>
+              <a:buClr>
+                <a:schemeClr val="accent1">
+                  <a:lumMod val="75000"/>
+                </a:schemeClr>
+              </a:buClr>
+              <a:buSzPct val="85000"/>
+              <a:buFontTx/>
+              <a:buNone/>
+              <a:defRPr sz="1400" kern="1200">
+                <a:solidFill>
+                  <a:schemeClr val="bg1"/>
+                </a:solidFill>
+                <a:latin typeface="Arial Black"/>
+                <a:ea typeface="+mn-ea"/>
+                <a:cs typeface="Arial Black"/>
+              </a:defRPr>
+            </a:lvl1pPr>
+            <a:lvl2pPr marL="342900" indent="-137160" algn="l" defTabSz="685800" rtl="0" eaLnBrk="1" latinLnBrk="0" hangingPunct="1">
+              <a:lnSpc>
+                <a:spcPct val="90000"/>
+              </a:lnSpc>
+              <a:spcBef>
+                <a:spcPts val="300"/>
+              </a:spcBef>
+              <a:spcAft>
+                <a:spcPts val="150"/>
+              </a:spcAft>
+              <a:buClr>
+                <a:schemeClr val="accent1">
+                  <a:lumMod val="75000"/>
+                </a:schemeClr>
+              </a:buClr>
+              <a:buSzPct val="85000"/>
+              <a:buFont typeface="Wingdings" pitchFamily="2" charset="2"/>
+              <a:buChar char="§"/>
+              <a:defRPr sz="1350" kern="1200">
+                <a:solidFill>
+                  <a:schemeClr val="tx1"/>
+                </a:solidFill>
+                <a:latin typeface="+mn-lt"/>
+                <a:ea typeface="+mn-ea"/>
+                <a:cs typeface="+mn-cs"/>
+              </a:defRPr>
+            </a:lvl2pPr>
+            <a:lvl3pPr marL="548640" indent="-137160" algn="l" defTabSz="685800" rtl="0" eaLnBrk="1" latinLnBrk="0" hangingPunct="1">
+              <a:lnSpc>
+                <a:spcPct val="90000"/>
+              </a:lnSpc>
+              <a:spcBef>
+                <a:spcPts val="300"/>
+              </a:spcBef>
+              <a:spcAft>
+                <a:spcPts val="150"/>
+              </a:spcAft>
+              <a:buClr>
+                <a:schemeClr val="accent1">
+                  <a:lumMod val="75000"/>
+                </a:schemeClr>
+              </a:buClr>
+              <a:buSzPct val="85000"/>
+              <a:buFont typeface="Wingdings" pitchFamily="2" charset="2"/>
+              <a:buChar char="§"/>
+              <a:defRPr sz="1200" kern="1200">
+                <a:solidFill>
+                  <a:schemeClr val="tx1"/>
+                </a:solidFill>
+                <a:latin typeface="+mn-lt"/>
+                <a:ea typeface="+mn-ea"/>
+                <a:cs typeface="+mn-cs"/>
+              </a:defRPr>
+            </a:lvl3pPr>
+            <a:lvl4pPr marL="754380" indent="-137160" algn="l" defTabSz="685800" rtl="0" eaLnBrk="1" latinLnBrk="0" hangingPunct="1">
+              <a:lnSpc>
+                <a:spcPct val="90000"/>
+              </a:lnSpc>
+              <a:spcBef>
+                <a:spcPts val="300"/>
+              </a:spcBef>
+              <a:spcAft>
+                <a:spcPts val="150"/>
+              </a:spcAft>
+              <a:buClr>
+                <a:schemeClr val="accent1">
+                  <a:lumMod val="75000"/>
+                </a:schemeClr>
+              </a:buClr>
+              <a:buSzPct val="85000"/>
+              <a:buFont typeface="Wingdings" pitchFamily="2" charset="2"/>
+              <a:buChar char="§"/>
+              <a:defRPr sz="1200" kern="1200">
+                <a:solidFill>
+                  <a:schemeClr val="tx1"/>
+                </a:solidFill>
+                <a:latin typeface="+mn-lt"/>
+                <a:ea typeface="+mn-ea"/>
+                <a:cs typeface="+mn-cs"/>
+              </a:defRPr>
+            </a:lvl4pPr>
+            <a:lvl5pPr marL="960120" indent="-137160" algn="l" defTabSz="685800" rtl="0" eaLnBrk="1" latinLnBrk="0" hangingPunct="1">
+              <a:lnSpc>
+                <a:spcPct val="90000"/>
+              </a:lnSpc>
+              <a:spcBef>
+                <a:spcPts val="300"/>
+              </a:spcBef>
+              <a:spcAft>
+                <a:spcPts val="150"/>
+              </a:spcAft>
+              <a:buClr>
+                <a:schemeClr val="accent1">
+                  <a:lumMod val="75000"/>
+                </a:schemeClr>
+              </a:buClr>
+              <a:buSzPct val="85000"/>
+              <a:buFont typeface="Wingdings" pitchFamily="2" charset="2"/>
+              <a:buChar char="§"/>
+              <a:defRPr sz="1200" kern="1200">
+                <a:solidFill>
+                  <a:schemeClr val="tx1"/>
+                </a:solidFill>
+                <a:latin typeface="+mn-lt"/>
+                <a:ea typeface="+mn-ea"/>
+                <a:cs typeface="+mn-cs"/>
+              </a:defRPr>
+            </a:lvl5pPr>
+            <a:lvl6pPr marL="1200000" indent="-171450" algn="l" defTabSz="685800" rtl="0" eaLnBrk="1" latinLnBrk="0" hangingPunct="1">
+              <a:lnSpc>
+                <a:spcPct val="90000"/>
+              </a:lnSpc>
+              <a:spcBef>
+                <a:spcPts val="300"/>
+              </a:spcBef>
+              <a:spcAft>
+                <a:spcPts val="150"/>
+              </a:spcAft>
+              <a:buClr>
+                <a:schemeClr val="accent1">
+                  <a:lumMod val="75000"/>
+                </a:schemeClr>
+              </a:buClr>
+              <a:buSzPct val="85000"/>
+              <a:buFont typeface="Wingdings" pitchFamily="2" charset="2"/>
+              <a:buChar char="§"/>
+              <a:defRPr sz="1200" kern="1200">
+                <a:solidFill>
+                  <a:schemeClr val="tx1"/>
+                </a:solidFill>
+                <a:latin typeface="+mn-lt"/>
+                <a:ea typeface="+mn-ea"/>
+                <a:cs typeface="+mn-cs"/>
+              </a:defRPr>
+            </a:lvl6pPr>
+            <a:lvl7pPr marL="1425000" indent="-171450" algn="l" defTabSz="685800" rtl="0" eaLnBrk="1" latinLnBrk="0" hangingPunct="1">
+              <a:lnSpc>
+                <a:spcPct val="90000"/>
+              </a:lnSpc>
+              <a:spcBef>
+                <a:spcPts val="300"/>
+              </a:spcBef>
+              <a:spcAft>
+                <a:spcPts val="150"/>
+              </a:spcAft>
+              <a:buClr>
+                <a:schemeClr val="accent1">
+                  <a:lumMod val="75000"/>
+                </a:schemeClr>
+              </a:buClr>
+              <a:buSzPct val="85000"/>
+              <a:buFont typeface="Wingdings" pitchFamily="2" charset="2"/>
+              <a:buChar char="§"/>
+              <a:defRPr sz="1200" kern="1200">
+                <a:solidFill>
+                  <a:schemeClr val="tx1"/>
+                </a:solidFill>
+                <a:latin typeface="+mn-lt"/>
+                <a:ea typeface="+mn-ea"/>
+                <a:cs typeface="+mn-cs"/>
+              </a:defRPr>
+            </a:lvl7pPr>
+            <a:lvl8pPr marL="1650000" indent="-171450" algn="l" defTabSz="685800" rtl="0" eaLnBrk="1" latinLnBrk="0" hangingPunct="1">
+              <a:lnSpc>
+                <a:spcPct val="90000"/>
+              </a:lnSpc>
+              <a:spcBef>
+                <a:spcPts val="300"/>
+              </a:spcBef>
+              <a:spcAft>
+                <a:spcPts val="150"/>
+              </a:spcAft>
+              <a:buClr>
+                <a:schemeClr val="accent1">
+                  <a:lumMod val="75000"/>
+                </a:schemeClr>
+              </a:buClr>
+              <a:buSzPct val="85000"/>
+              <a:buFont typeface="Wingdings" pitchFamily="2" charset="2"/>
+              <a:buChar char="§"/>
+              <a:defRPr sz="1200" kern="1200">
+                <a:solidFill>
+                  <a:schemeClr val="tx1"/>
+                </a:solidFill>
+                <a:latin typeface="+mn-lt"/>
+                <a:ea typeface="+mn-ea"/>
+                <a:cs typeface="+mn-cs"/>
+              </a:defRPr>
+            </a:lvl8pPr>
+            <a:lvl9pPr marL="1875000" indent="-171450" algn="l" defTabSz="685800" rtl="0" eaLnBrk="1" latinLnBrk="0" hangingPunct="1">
+              <a:lnSpc>
+                <a:spcPct val="90000"/>
+              </a:lnSpc>
+              <a:spcBef>
+                <a:spcPts val="300"/>
+              </a:spcBef>
+              <a:spcAft>
+                <a:spcPts val="150"/>
+              </a:spcAft>
+              <a:buClr>
+                <a:schemeClr val="accent1">
+                  <a:lumMod val="75000"/>
+                </a:schemeClr>
+              </a:buClr>
+              <a:buSzPct val="85000"/>
+              <a:buFont typeface="Wingdings" pitchFamily="2" charset="2"/>
+              <a:buChar char="§"/>
+              <a:defRPr sz="1200" kern="1200">
+                <a:solidFill>
+                  <a:schemeClr val="tx1"/>
+                </a:solidFill>
+                <a:latin typeface="+mn-lt"/>
+                <a:ea typeface="+mn-ea"/>
+                <a:cs typeface="+mn-cs"/>
+              </a:defRPr>
+            </a:lvl9pPr>
+          </a:lstStyle>
+          <a:p>
+            <a:pPr marL="0" marR="0" lvl="0" indent="0" algn="r" defTabSz="685800" rtl="0" eaLnBrk="1" fontAlgn="auto" latinLnBrk="0" hangingPunct="1">
+              <a:lnSpc>
+                <a:spcPct val="100000"/>
+              </a:lnSpc>
+              <a:spcBef>
+                <a:spcPts val="0"/>
+              </a:spcBef>
+              <a:spcAft>
+                <a:spcPts val="0"/>
+              </a:spcAft>
+              <a:buClr>
+                <a:srgbClr val="D34817">
+                  <a:lumMod val="75000"/>
+                </a:srgbClr>
+              </a:buClr>
+              <a:buSzPct val="85000"/>
+              <a:buFontTx/>
+              <a:buNone/>
+              <a:tabLst/>
+              <a:defRPr/>
+            </a:pPr>
+            <a:r>
+              <a:rPr kumimoji="0" lang="ru-RU" sz="1600" i="0" u="none" strike="noStrike" kern="1200" cap="none" spc="0" normalizeH="0" baseline="0" noProof="0" dirty="0">
+                <a:ln>
+                  <a:noFill/>
+                </a:ln>
+                <a:solidFill>
+                  <a:sysClr val="window" lastClr="FFFFFF"/>
+                </a:solidFill>
+                <a:effectLst/>
+                <a:uLnTx/>
+                <a:uFillTx/>
+                <a:latin typeface="Arial Black" panose="020B0A04020102020204" pitchFamily="34" charset="0"/>
+                <a:cs typeface="Arial" panose="020B0604020202020204" pitchFamily="34" charset="0"/>
+              </a:rPr>
+              <a:t>Голубев Антон</a:t>
+            </a:r>
+          </a:p>
+          <a:p>
+            <a:pPr marL="0" marR="0" lvl="0" indent="0" algn="r" defTabSz="685800" rtl="0" eaLnBrk="1" fontAlgn="auto" latinLnBrk="0" hangingPunct="1">
+              <a:lnSpc>
+                <a:spcPct val="100000"/>
+              </a:lnSpc>
+              <a:spcBef>
+                <a:spcPts val="0"/>
+              </a:spcBef>
+              <a:spcAft>
+                <a:spcPts val="0"/>
+              </a:spcAft>
+              <a:buClr>
+                <a:srgbClr val="D34817">
+                  <a:lumMod val="75000"/>
+                </a:srgbClr>
+              </a:buClr>
+              <a:buSzPct val="85000"/>
+              <a:buFontTx/>
+              <a:buNone/>
+              <a:tabLst/>
+              <a:defRPr/>
+            </a:pPr>
+            <a:r>
+              <a:rPr kumimoji="0" lang="ru-RU" sz="1600" i="0" u="none" strike="noStrike" kern="1200" cap="none" spc="0" normalizeH="0" baseline="0" noProof="0" dirty="0" err="1">
+                <a:ln>
+                  <a:noFill/>
+                </a:ln>
+                <a:solidFill>
+                  <a:sysClr val="window" lastClr="FFFFFF"/>
+                </a:solidFill>
+                <a:effectLst/>
+                <a:uLnTx/>
+                <a:uFillTx/>
+                <a:latin typeface="Arial Black" panose="020B0A04020102020204" pitchFamily="34" charset="0"/>
+                <a:cs typeface="Arial" panose="020B0604020202020204" pitchFamily="34" charset="0"/>
+              </a:rPr>
+              <a:t>Купцова</a:t>
+            </a:r>
+            <a:r>
+              <a:rPr kumimoji="0" lang="ru-RU" sz="1600" i="0" u="none" strike="noStrike" kern="1200" cap="none" spc="0" normalizeH="0" baseline="0" noProof="0" dirty="0">
+                <a:ln>
+                  <a:noFill/>
+                </a:ln>
+                <a:solidFill>
+                  <a:sysClr val="window" lastClr="FFFFFF"/>
+                </a:solidFill>
+                <a:effectLst/>
+                <a:uLnTx/>
+                <a:uFillTx/>
+                <a:latin typeface="Arial Black" panose="020B0A04020102020204" pitchFamily="34" charset="0"/>
+                <a:cs typeface="Arial" panose="020B0604020202020204" pitchFamily="34" charset="0"/>
+              </a:rPr>
+              <a:t> Анастасия</a:t>
+            </a:r>
+          </a:p>
+          <a:p>
+            <a:pPr marL="0" marR="0" lvl="0" indent="0" algn="r" defTabSz="685800" rtl="0" eaLnBrk="1" fontAlgn="auto" latinLnBrk="0" hangingPunct="1">
+              <a:lnSpc>
+                <a:spcPct val="100000"/>
+              </a:lnSpc>
+              <a:spcBef>
+                <a:spcPts val="0"/>
+              </a:spcBef>
+              <a:spcAft>
+                <a:spcPts val="0"/>
+              </a:spcAft>
+              <a:buClr>
+                <a:srgbClr val="D34817">
+                  <a:lumMod val="75000"/>
+                </a:srgbClr>
+              </a:buClr>
+              <a:buSzPct val="85000"/>
+              <a:buFontTx/>
+              <a:buNone/>
+              <a:tabLst/>
+              <a:defRPr/>
+            </a:pPr>
+            <a:r>
+              <a:rPr lang="ru-RU" sz="1600" dirty="0">
+                <a:solidFill>
+                  <a:sysClr val="window" lastClr="FFFFFF"/>
+                </a:solidFill>
+                <a:latin typeface="Arial Black" panose="020B0A04020102020204" pitchFamily="34" charset="0"/>
+                <a:cs typeface="Arial" panose="020B0604020202020204" pitchFamily="34" charset="0"/>
+              </a:rPr>
+              <a:t>У</a:t>
+            </a:r>
+            <a:r>
+              <a:rPr kumimoji="0" lang="ru-RU" sz="1600" i="0" u="none" strike="noStrike" kern="1200" cap="none" spc="0" normalizeH="0" baseline="0" noProof="0" dirty="0" err="1">
+                <a:ln>
+                  <a:noFill/>
+                </a:ln>
+                <a:solidFill>
+                  <a:sysClr val="window" lastClr="FFFFFF"/>
+                </a:solidFill>
+                <a:effectLst/>
+                <a:uLnTx/>
+                <a:uFillTx/>
+                <a:latin typeface="Arial Black" panose="020B0A04020102020204" pitchFamily="34" charset="0"/>
+                <a:cs typeface="Arial" panose="020B0604020202020204" pitchFamily="34" charset="0"/>
+              </a:rPr>
+              <a:t>шакова</a:t>
+            </a:r>
+            <a:r>
+              <a:rPr kumimoji="0" lang="ru-RU" sz="1600" i="0" u="none" strike="noStrike" kern="1200" cap="none" spc="0" normalizeH="0" baseline="0" noProof="0" dirty="0">
+                <a:ln>
+                  <a:noFill/>
+                </a:ln>
+                <a:solidFill>
+                  <a:sysClr val="window" lastClr="FFFFFF"/>
+                </a:solidFill>
+                <a:effectLst/>
+                <a:uLnTx/>
+                <a:uFillTx/>
+                <a:latin typeface="Arial Black" panose="020B0A04020102020204" pitchFamily="34" charset="0"/>
+                <a:cs typeface="Arial" panose="020B0604020202020204" pitchFamily="34" charset="0"/>
+              </a:rPr>
+              <a:t> Кристина</a:t>
+            </a:r>
+          </a:p>
+          <a:p>
+            <a:pPr marL="0" marR="0" lvl="0" indent="0" algn="l" defTabSz="685800" rtl="0" eaLnBrk="1" fontAlgn="auto" latinLnBrk="0" hangingPunct="1">
+              <a:lnSpc>
+                <a:spcPct val="100000"/>
+              </a:lnSpc>
+              <a:spcBef>
+                <a:spcPts val="0"/>
+              </a:spcBef>
+              <a:spcAft>
+                <a:spcPts val="0"/>
+              </a:spcAft>
+              <a:buClr>
+                <a:srgbClr val="D34817">
+                  <a:lumMod val="75000"/>
+                </a:srgbClr>
+              </a:buClr>
+              <a:buSzPct val="85000"/>
+              <a:buFontTx/>
+              <a:buNone/>
+              <a:tabLst/>
+              <a:defRPr/>
+            </a:pPr>
             <a:endParaRPr kumimoji="0" lang="ru-RU" sz="1600" b="0" i="0" u="none" strike="noStrike" kern="1200" cap="none" spc="0" normalizeH="0" baseline="0" noProof="0" dirty="0">
               <a:ln>
                 <a:noFill/>
@@ -8309,7 +8759,7 @@
                 <a:latin typeface="Trebuchet MS"/>
                 <a:ea typeface="+mn-ea"/>
               </a:rPr>
-              <a:t>ОБЩАЯ ИДЕЯ ПРОЕКТА</a:t>
+              <a:t>ИСХОДНЫЕ ДАННЫЕ</a:t>
             </a:r>
             <a:endParaRPr kumimoji="0" lang="en-US" sz="2400" b="0" i="0" u="none" strike="noStrike" kern="1200" cap="none" spc="0" normalizeH="0" baseline="0" noProof="0" dirty="0">
               <a:ln>
@@ -8329,6 +8779,211 @@
       </p:sp>
       <p:sp>
         <p:nvSpPr>
+          <p:cNvPr id="7" name="Content Placeholder 5"/>
+          <p:cNvSpPr txBox="1">
+            <a:spLocks/>
+          </p:cNvSpPr>
+          <p:nvPr/>
+        </p:nvSpPr>
+        <p:spPr>
+          <a:xfrm>
+            <a:off x="625188" y="1624423"/>
+            <a:ext cx="10973254" cy="3701238"/>
+          </a:xfrm>
+          <a:prstGeom prst="rect">
+            <a:avLst/>
+          </a:prstGeom>
+        </p:spPr>
+        <p:txBody>
+          <a:bodyPr vert="horz" lIns="91440" tIns="45720" rIns="91440" bIns="45720" rtlCol="0">
+            <a:noAutofit/>
+          </a:bodyPr>
+          <a:lstStyle>
+            <a:lvl1pPr marL="173736" marR="0" indent="-173736" algn="l" defTabSz="457200" rtl="0" eaLnBrk="1" fontAlgn="auto" latinLnBrk="0" hangingPunct="1">
+              <a:lnSpc>
+                <a:spcPct val="120000"/>
+              </a:lnSpc>
+              <a:spcBef>
+                <a:spcPts val="0"/>
+              </a:spcBef>
+              <a:spcAft>
+                <a:spcPts val="1000"/>
+              </a:spcAft>
+              <a:buClr>
+                <a:schemeClr val="accent2"/>
+              </a:buClr>
+              <a:buSzTx/>
+              <a:buFont typeface="Arial"/>
+              <a:buChar char="•"/>
+              <a:tabLst/>
+              <a:defRPr sz="1600" kern="1200" baseline="0">
+                <a:solidFill>
+                  <a:schemeClr val="tx1"/>
+                </a:solidFill>
+                <a:latin typeface="Trebuchet MS"/>
+                <a:ea typeface="+mn-ea"/>
+                <a:cs typeface="Trebuchet MS"/>
+              </a:defRPr>
+            </a:lvl1pPr>
+            <a:lvl2pPr marL="742950" indent="-285750" algn="l" defTabSz="457200" rtl="0" eaLnBrk="1" latinLnBrk="0" hangingPunct="1">
+              <a:spcBef>
+                <a:spcPct val="20000"/>
+              </a:spcBef>
+              <a:buFont typeface="Arial"/>
+              <a:buChar char="–"/>
+              <a:defRPr sz="1600" kern="1200">
+                <a:solidFill>
+                  <a:schemeClr val="tx1"/>
+                </a:solidFill>
+                <a:latin typeface="Trebuchet MS"/>
+                <a:ea typeface="+mn-ea"/>
+                <a:cs typeface="Trebuchet MS"/>
+              </a:defRPr>
+            </a:lvl2pPr>
+            <a:lvl3pPr marL="1143000" indent="-228600" algn="l" defTabSz="457200" rtl="0" eaLnBrk="1" latinLnBrk="0" hangingPunct="1">
+              <a:spcBef>
+                <a:spcPct val="20000"/>
+              </a:spcBef>
+              <a:buFont typeface="Arial"/>
+              <a:buChar char="•"/>
+              <a:defRPr sz="1600" kern="1200">
+                <a:solidFill>
+                  <a:schemeClr val="tx1"/>
+                </a:solidFill>
+                <a:latin typeface="Trebuchet MS"/>
+                <a:ea typeface="+mn-ea"/>
+                <a:cs typeface="Trebuchet MS"/>
+              </a:defRPr>
+            </a:lvl3pPr>
+            <a:lvl4pPr marL="1600200" indent="-228600" algn="l" defTabSz="457200" rtl="0" eaLnBrk="1" latinLnBrk="0" hangingPunct="1">
+              <a:spcBef>
+                <a:spcPct val="20000"/>
+              </a:spcBef>
+              <a:buFont typeface="Arial"/>
+              <a:buChar char="–"/>
+              <a:defRPr sz="1600" kern="1200">
+                <a:solidFill>
+                  <a:schemeClr val="tx1"/>
+                </a:solidFill>
+                <a:latin typeface="Trebuchet MS"/>
+                <a:ea typeface="+mn-ea"/>
+                <a:cs typeface="Trebuchet MS"/>
+              </a:defRPr>
+            </a:lvl4pPr>
+            <a:lvl5pPr marL="2057400" indent="-228600" algn="l" defTabSz="457200" rtl="0" eaLnBrk="1" latinLnBrk="0" hangingPunct="1">
+              <a:spcBef>
+                <a:spcPct val="20000"/>
+              </a:spcBef>
+              <a:buFont typeface="Arial"/>
+              <a:buChar char="»"/>
+              <a:defRPr sz="1600" kern="1200">
+                <a:solidFill>
+                  <a:schemeClr val="tx1"/>
+                </a:solidFill>
+                <a:latin typeface="Trebuchet MS"/>
+                <a:ea typeface="+mn-ea"/>
+                <a:cs typeface="Trebuchet MS"/>
+              </a:defRPr>
+            </a:lvl5pPr>
+            <a:lvl6pPr marL="2514600" indent="-228600" algn="l" defTabSz="457200" rtl="0" eaLnBrk="1" latinLnBrk="0" hangingPunct="1">
+              <a:spcBef>
+                <a:spcPct val="20000"/>
+              </a:spcBef>
+              <a:buFont typeface="Arial"/>
+              <a:buChar char="•"/>
+              <a:defRPr sz="2000" kern="1200">
+                <a:solidFill>
+                  <a:schemeClr val="tx1"/>
+                </a:solidFill>
+                <a:latin typeface="+mn-lt"/>
+                <a:ea typeface="+mn-ea"/>
+                <a:cs typeface="+mn-cs"/>
+              </a:defRPr>
+            </a:lvl6pPr>
+            <a:lvl7pPr marL="2971800" indent="-228600" algn="l" defTabSz="457200" rtl="0" eaLnBrk="1" latinLnBrk="0" hangingPunct="1">
+              <a:spcBef>
+                <a:spcPct val="20000"/>
+              </a:spcBef>
+              <a:buFont typeface="Arial"/>
+              <a:buChar char="•"/>
+              <a:defRPr sz="2000" kern="1200">
+                <a:solidFill>
+                  <a:schemeClr val="tx1"/>
+                </a:solidFill>
+                <a:latin typeface="+mn-lt"/>
+                <a:ea typeface="+mn-ea"/>
+                <a:cs typeface="+mn-cs"/>
+              </a:defRPr>
+            </a:lvl7pPr>
+            <a:lvl8pPr marL="3429000" indent="-228600" algn="l" defTabSz="457200" rtl="0" eaLnBrk="1" latinLnBrk="0" hangingPunct="1">
+              <a:spcBef>
+                <a:spcPct val="20000"/>
+              </a:spcBef>
+              <a:buFont typeface="Arial"/>
+              <a:buChar char="•"/>
+              <a:defRPr sz="2000" kern="1200">
+                <a:solidFill>
+                  <a:schemeClr val="tx1"/>
+                </a:solidFill>
+                <a:latin typeface="+mn-lt"/>
+                <a:ea typeface="+mn-ea"/>
+                <a:cs typeface="+mn-cs"/>
+              </a:defRPr>
+            </a:lvl8pPr>
+            <a:lvl9pPr marL="3886200" indent="-228600" algn="l" defTabSz="457200" rtl="0" eaLnBrk="1" latinLnBrk="0" hangingPunct="1">
+              <a:spcBef>
+                <a:spcPct val="20000"/>
+              </a:spcBef>
+              <a:buFont typeface="Arial"/>
+              <a:buChar char="•"/>
+              <a:defRPr sz="2000" kern="1200">
+                <a:solidFill>
+                  <a:schemeClr val="tx1"/>
+                </a:solidFill>
+                <a:latin typeface="+mn-lt"/>
+                <a:ea typeface="+mn-ea"/>
+                <a:cs typeface="+mn-cs"/>
+              </a:defRPr>
+            </a:lvl9pPr>
+          </a:lstStyle>
+          <a:p>
+            <a:pPr marL="173736" marR="0" lvl="0" indent="-173736" algn="l" defTabSz="457200" rtl="0" eaLnBrk="1" fontAlgn="auto" latinLnBrk="0" hangingPunct="1">
+              <a:lnSpc>
+                <a:spcPct val="100000"/>
+              </a:lnSpc>
+              <a:spcBef>
+                <a:spcPts val="0"/>
+              </a:spcBef>
+              <a:spcAft>
+                <a:spcPts val="1000"/>
+              </a:spcAft>
+              <a:buClr>
+                <a:srgbClr val="39C2D7"/>
+              </a:buClr>
+              <a:buSzTx/>
+              <a:buFont typeface="Wingdings" panose="05000000000000000000" pitchFamily="2" charset="2"/>
+              <a:buChar char="Ø"/>
+              <a:tabLst/>
+              <a:defRPr/>
+            </a:pPr>
+            <a:endParaRPr kumimoji="0" lang="ru-RU" altLang="en-US" sz="1200" b="0" i="0" u="none" strike="noStrike" kern="1200" cap="none" spc="0" normalizeH="0" baseline="0" noProof="0" dirty="0">
+              <a:ln>
+                <a:noFill/>
+              </a:ln>
+              <a:solidFill>
+                <a:srgbClr val="464547"/>
+              </a:solidFill>
+              <a:effectLst/>
+              <a:uLnTx/>
+              <a:uFillTx/>
+              <a:latin typeface="Trebuchet MS"/>
+              <a:ea typeface="+mn-ea"/>
+            </a:endParaRPr>
+          </a:p>
+        </p:txBody>
+      </p:sp>
+      <p:sp>
+        <p:nvSpPr>
           <p:cNvPr id="8" name="Content Placeholder 2"/>
           <p:cNvSpPr>
             <a:spLocks noGrp="1"/>
@@ -8339,8 +8994,8 @@
         </p:nvSpPr>
         <p:spPr>
           <a:xfrm>
-            <a:off x="625188" y="854439"/>
-            <a:ext cx="10973254" cy="5322524"/>
+            <a:off x="625188" y="1624423"/>
+            <a:ext cx="10973254" cy="4552540"/>
           </a:xfrm>
         </p:spPr>
         <p:txBody>
@@ -8349,1121 +9004,513 @@
           </a:bodyPr>
           <a:lstStyle/>
           <a:p>
+            <a:pPr algn="just"/>
+            <a:r>
+              <a:rPr lang="ru-RU" sz="1600" dirty="0">
+                <a:latin typeface="Arial" panose="020B0604020202020204" pitchFamily="34" charset="0"/>
+                <a:cs typeface="Arial" panose="020B0604020202020204" pitchFamily="34" charset="0"/>
+              </a:rPr>
+              <a:t>В качестве исходных данных выступают потоки нервных импульсов в ответ на речевой сигнал, представляющие динамические паттерны активности волокон слухового нерва, полученные с использованием имитационной модели слуховой периферии.</a:t>
+            </a:r>
+          </a:p>
+          <a:p>
+            <a:pPr algn="just"/>
+            <a:endParaRPr lang="ru-RU" sz="1600" dirty="0">
+              <a:latin typeface="Arial" panose="020B0604020202020204" pitchFamily="34" charset="0"/>
+              <a:cs typeface="Arial" panose="020B0604020202020204" pitchFamily="34" charset="0"/>
+            </a:endParaRPr>
+          </a:p>
+        </p:txBody>
+      </p:sp>
+      <p:pic>
+        <p:nvPicPr>
+          <p:cNvPr id="6" name="Рисунок 5"/>
+          <p:cNvPicPr>
+            <a:picLocks noChangeAspect="1"/>
+          </p:cNvPicPr>
+          <p:nvPr/>
+        </p:nvPicPr>
+        <p:blipFill>
+          <a:blip r:embed="rId2">
+            <a:extLst>
+              <a:ext uri="{28A0092B-C50C-407E-A947-70E740481C1C}">
+                <a14:useLocalDpi xmlns:a14="http://schemas.microsoft.com/office/drawing/2010/main" val="0"/>
+              </a:ext>
+            </a:extLst>
+          </a:blip>
+          <a:stretch>
+            <a:fillRect/>
+          </a:stretch>
+        </p:blipFill>
+        <p:spPr>
+          <a:xfrm>
+            <a:off x="3951481" y="2888167"/>
+            <a:ext cx="4334566" cy="2869696"/>
+          </a:xfrm>
+          <a:prstGeom prst="rect">
+            <a:avLst/>
+          </a:prstGeom>
+        </p:spPr>
+      </p:pic>
+      <p:sp>
+        <p:nvSpPr>
+          <p:cNvPr id="9" name="TextBox 8"/>
+          <p:cNvSpPr txBox="1"/>
+          <p:nvPr/>
+        </p:nvSpPr>
+        <p:spPr>
+          <a:xfrm>
+            <a:off x="4100975" y="2718846"/>
+            <a:ext cx="4185072" cy="307777"/>
+          </a:xfrm>
+          <a:prstGeom prst="rect">
+            <a:avLst/>
+          </a:prstGeom>
+          <a:noFill/>
+        </p:spPr>
+        <p:txBody>
+          <a:bodyPr wrap="square" rtlCol="0">
+            <a:spAutoFit/>
+          </a:bodyPr>
+          <a:lstStyle/>
+          <a:p>
+            <a:pPr algn="ctr"/>
+            <a:r>
+              <a:rPr lang="en-US" sz="1400" dirty="0">
+                <a:latin typeface="Times New Roman" panose="02020603050405020304" pitchFamily="18" charset="0"/>
+                <a:cs typeface="Times New Roman" panose="02020603050405020304" pitchFamily="18" charset="0"/>
+              </a:rPr>
+              <a:t>Stimulus </a:t>
+            </a:r>
+            <a:r>
+              <a:rPr lang="en-US" sz="1400" dirty="0" err="1">
+                <a:latin typeface="Times New Roman" panose="02020603050405020304" pitchFamily="18" charset="0"/>
+                <a:cs typeface="Times New Roman" panose="02020603050405020304" pitchFamily="18" charset="0"/>
+              </a:rPr>
+              <a:t>oscillogram</a:t>
+            </a:r>
+            <a:r>
+              <a:rPr lang="ru-RU" sz="1400" dirty="0">
+                <a:latin typeface="Times New Roman" panose="02020603050405020304" pitchFamily="18" charset="0"/>
+                <a:cs typeface="Times New Roman" panose="02020603050405020304" pitchFamily="18" charset="0"/>
+              </a:rPr>
+              <a:t>.</a:t>
+            </a:r>
+            <a:r>
+              <a:rPr lang="en-US" sz="1400" dirty="0">
+                <a:latin typeface="Times New Roman" panose="02020603050405020304" pitchFamily="18" charset="0"/>
+                <a:cs typeface="Times New Roman" panose="02020603050405020304" pitchFamily="18" charset="0"/>
+              </a:rPr>
+              <a:t> 300 Hz, 1 </a:t>
+            </a:r>
+            <a:r>
+              <a:rPr lang="en-US" sz="1400" dirty="0" err="1">
+                <a:latin typeface="Times New Roman" panose="02020603050405020304" pitchFamily="18" charset="0"/>
+                <a:cs typeface="Times New Roman" panose="02020603050405020304" pitchFamily="18" charset="0"/>
+              </a:rPr>
+              <a:t>ms</a:t>
+            </a:r>
+            <a:r>
+              <a:rPr lang="en-US" sz="1400" dirty="0">
+                <a:latin typeface="Times New Roman" panose="02020603050405020304" pitchFamily="18" charset="0"/>
+                <a:cs typeface="Times New Roman" panose="02020603050405020304" pitchFamily="18" charset="0"/>
+              </a:rPr>
+              <a:t>, 60 dB SPL</a:t>
+            </a:r>
+            <a:endParaRPr lang="ru-RU" sz="1400" dirty="0">
+              <a:latin typeface="Times New Roman" panose="02020603050405020304" pitchFamily="18" charset="0"/>
+              <a:cs typeface="Times New Roman" panose="02020603050405020304" pitchFamily="18" charset="0"/>
+            </a:endParaRPr>
+          </a:p>
+        </p:txBody>
+      </p:sp>
+      <p:sp>
+        <p:nvSpPr>
+          <p:cNvPr id="10" name="TextBox 9"/>
+          <p:cNvSpPr txBox="1"/>
+          <p:nvPr/>
+        </p:nvSpPr>
+        <p:spPr>
+          <a:xfrm>
+            <a:off x="4100975" y="3557142"/>
+            <a:ext cx="4185072" cy="307777"/>
+          </a:xfrm>
+          <a:prstGeom prst="rect">
+            <a:avLst/>
+          </a:prstGeom>
+          <a:noFill/>
+        </p:spPr>
+        <p:txBody>
+          <a:bodyPr wrap="square" rtlCol="0">
+            <a:spAutoFit/>
+          </a:bodyPr>
+          <a:lstStyle/>
+          <a:p>
+            <a:pPr algn="ctr"/>
+            <a:r>
+              <a:rPr lang="en-US" sz="1400" dirty="0">
+                <a:latin typeface="Times New Roman" panose="02020603050405020304" pitchFamily="18" charset="0"/>
+                <a:cs typeface="Times New Roman" panose="02020603050405020304" pitchFamily="18" charset="0"/>
+              </a:rPr>
+              <a:t>Auditory nerve average spiking rate</a:t>
+            </a:r>
+            <a:endParaRPr lang="ru-RU" sz="1400" dirty="0">
+              <a:latin typeface="Times New Roman" panose="02020603050405020304" pitchFamily="18" charset="0"/>
+              <a:cs typeface="Times New Roman" panose="02020603050405020304" pitchFamily="18" charset="0"/>
+            </a:endParaRPr>
+          </a:p>
+        </p:txBody>
+      </p:sp>
+      <p:sp>
+        <p:nvSpPr>
+          <p:cNvPr id="11" name="Content Placeholder 2">
+            <a:extLst>
+              <a:ext uri="{FF2B5EF4-FFF2-40B4-BE49-F238E27FC236}">
+                <a16:creationId xmlns:a16="http://schemas.microsoft.com/office/drawing/2014/main" id="{2F5C35AD-DFC2-1B4E-95A2-550120EB708E}"/>
+              </a:ext>
+            </a:extLst>
+          </p:cNvPr>
+          <p:cNvSpPr txBox="1">
+            <a:spLocks/>
+          </p:cNvSpPr>
+          <p:nvPr/>
+        </p:nvSpPr>
+        <p:spPr>
+          <a:xfrm>
+            <a:off x="625188" y="1624423"/>
+            <a:ext cx="11414412" cy="4552540"/>
+          </a:xfrm>
+          <a:prstGeom prst="rect">
+            <a:avLst/>
+          </a:prstGeom>
+        </p:spPr>
+        <p:txBody>
+          <a:bodyPr vert="horz" lIns="91440" tIns="45720" rIns="91440" bIns="45720" rtlCol="0">
+            <a:normAutofit/>
+          </a:bodyPr>
+          <a:lstStyle>
+            <a:lvl1pPr marL="228600" indent="-228600" algn="l" defTabSz="914400" rtl="0" eaLnBrk="1" latinLnBrk="0" hangingPunct="1">
+              <a:lnSpc>
+                <a:spcPct val="90000"/>
+              </a:lnSpc>
+              <a:spcBef>
+                <a:spcPts val="1000"/>
+              </a:spcBef>
+              <a:buFont typeface="Arial" panose="020B0604020202020204" pitchFamily="34" charset="0"/>
+              <a:buChar char="•"/>
+              <a:defRPr sz="2800" kern="1200">
+                <a:solidFill>
+                  <a:schemeClr val="tx1"/>
+                </a:solidFill>
+                <a:latin typeface="+mn-lt"/>
+                <a:ea typeface="+mn-ea"/>
+                <a:cs typeface="+mn-cs"/>
+              </a:defRPr>
+            </a:lvl1pPr>
+            <a:lvl2pPr marL="685800" indent="-228600" algn="l" defTabSz="914400" rtl="0" eaLnBrk="1" latinLnBrk="0" hangingPunct="1">
+              <a:lnSpc>
+                <a:spcPct val="90000"/>
+              </a:lnSpc>
+              <a:spcBef>
+                <a:spcPts val="500"/>
+              </a:spcBef>
+              <a:buFont typeface="Arial" panose="020B0604020202020204" pitchFamily="34" charset="0"/>
+              <a:buChar char="•"/>
+              <a:defRPr sz="2400" kern="1200">
+                <a:solidFill>
+                  <a:schemeClr val="tx1"/>
+                </a:solidFill>
+                <a:latin typeface="+mn-lt"/>
+                <a:ea typeface="+mn-ea"/>
+                <a:cs typeface="+mn-cs"/>
+              </a:defRPr>
+            </a:lvl2pPr>
+            <a:lvl3pPr marL="1143000" indent="-228600" algn="l" defTabSz="914400" rtl="0" eaLnBrk="1" latinLnBrk="0" hangingPunct="1">
+              <a:lnSpc>
+                <a:spcPct val="90000"/>
+              </a:lnSpc>
+              <a:spcBef>
+                <a:spcPts val="500"/>
+              </a:spcBef>
+              <a:buFont typeface="Arial" panose="020B0604020202020204" pitchFamily="34" charset="0"/>
+              <a:buChar char="•"/>
+              <a:defRPr sz="2000" kern="1200">
+                <a:solidFill>
+                  <a:schemeClr val="tx1"/>
+                </a:solidFill>
+                <a:latin typeface="+mn-lt"/>
+                <a:ea typeface="+mn-ea"/>
+                <a:cs typeface="+mn-cs"/>
+              </a:defRPr>
+            </a:lvl3pPr>
+            <a:lvl4pPr marL="1600200" indent="-228600" algn="l" defTabSz="914400" rtl="0" eaLnBrk="1" latinLnBrk="0" hangingPunct="1">
+              <a:lnSpc>
+                <a:spcPct val="90000"/>
+              </a:lnSpc>
+              <a:spcBef>
+                <a:spcPts val="500"/>
+              </a:spcBef>
+              <a:buFont typeface="Arial" panose="020B0604020202020204" pitchFamily="34" charset="0"/>
+              <a:buChar char="•"/>
+              <a:defRPr sz="1800" kern="1200">
+                <a:solidFill>
+                  <a:schemeClr val="tx1"/>
+                </a:solidFill>
+                <a:latin typeface="+mn-lt"/>
+                <a:ea typeface="+mn-ea"/>
+                <a:cs typeface="+mn-cs"/>
+              </a:defRPr>
+            </a:lvl4pPr>
+            <a:lvl5pPr marL="2057400" indent="-228600" algn="l" defTabSz="914400" rtl="0" eaLnBrk="1" latinLnBrk="0" hangingPunct="1">
+              <a:lnSpc>
+                <a:spcPct val="90000"/>
+              </a:lnSpc>
+              <a:spcBef>
+                <a:spcPts val="500"/>
+              </a:spcBef>
+              <a:buFont typeface="Arial" panose="020B0604020202020204" pitchFamily="34" charset="0"/>
+              <a:buChar char="•"/>
+              <a:defRPr sz="1800" kern="1200">
+                <a:solidFill>
+                  <a:schemeClr val="tx1"/>
+                </a:solidFill>
+                <a:latin typeface="+mn-lt"/>
+                <a:ea typeface="+mn-ea"/>
+                <a:cs typeface="+mn-cs"/>
+              </a:defRPr>
+            </a:lvl5pPr>
+            <a:lvl6pPr marL="2514600" indent="-228600" algn="l" defTabSz="914400" rtl="0" eaLnBrk="1" latinLnBrk="0" hangingPunct="1">
+              <a:lnSpc>
+                <a:spcPct val="90000"/>
+              </a:lnSpc>
+              <a:spcBef>
+                <a:spcPts val="500"/>
+              </a:spcBef>
+              <a:buFont typeface="Arial" panose="020B0604020202020204" pitchFamily="34" charset="0"/>
+              <a:buChar char="•"/>
+              <a:defRPr sz="1800" kern="1200">
+                <a:solidFill>
+                  <a:schemeClr val="tx1"/>
+                </a:solidFill>
+                <a:latin typeface="+mn-lt"/>
+                <a:ea typeface="+mn-ea"/>
+                <a:cs typeface="+mn-cs"/>
+              </a:defRPr>
+            </a:lvl6pPr>
+            <a:lvl7pPr marL="2971800" indent="-228600" algn="l" defTabSz="914400" rtl="0" eaLnBrk="1" latinLnBrk="0" hangingPunct="1">
+              <a:lnSpc>
+                <a:spcPct val="90000"/>
+              </a:lnSpc>
+              <a:spcBef>
+                <a:spcPts val="500"/>
+              </a:spcBef>
+              <a:buFont typeface="Arial" panose="020B0604020202020204" pitchFamily="34" charset="0"/>
+              <a:buChar char="•"/>
+              <a:defRPr sz="1800" kern="1200">
+                <a:solidFill>
+                  <a:schemeClr val="tx1"/>
+                </a:solidFill>
+                <a:latin typeface="+mn-lt"/>
+                <a:ea typeface="+mn-ea"/>
+                <a:cs typeface="+mn-cs"/>
+              </a:defRPr>
+            </a:lvl7pPr>
+            <a:lvl8pPr marL="3429000" indent="-228600" algn="l" defTabSz="914400" rtl="0" eaLnBrk="1" latinLnBrk="0" hangingPunct="1">
+              <a:lnSpc>
+                <a:spcPct val="90000"/>
+              </a:lnSpc>
+              <a:spcBef>
+                <a:spcPts val="500"/>
+              </a:spcBef>
+              <a:buFont typeface="Arial" panose="020B0604020202020204" pitchFamily="34" charset="0"/>
+              <a:buChar char="•"/>
+              <a:defRPr sz="1800" kern="1200">
+                <a:solidFill>
+                  <a:schemeClr val="tx1"/>
+                </a:solidFill>
+                <a:latin typeface="+mn-lt"/>
+                <a:ea typeface="+mn-ea"/>
+                <a:cs typeface="+mn-cs"/>
+              </a:defRPr>
+            </a:lvl8pPr>
+            <a:lvl9pPr marL="3886200" indent="-228600" algn="l" defTabSz="914400" rtl="0" eaLnBrk="1" latinLnBrk="0" hangingPunct="1">
+              <a:lnSpc>
+                <a:spcPct val="90000"/>
+              </a:lnSpc>
+              <a:spcBef>
+                <a:spcPts val="500"/>
+              </a:spcBef>
+              <a:buFont typeface="Arial" panose="020B0604020202020204" pitchFamily="34" charset="0"/>
+              <a:buChar char="•"/>
+              <a:defRPr sz="1800" kern="1200">
+                <a:solidFill>
+                  <a:schemeClr val="tx1"/>
+                </a:solidFill>
+                <a:latin typeface="+mn-lt"/>
+                <a:ea typeface="+mn-ea"/>
+                <a:cs typeface="+mn-cs"/>
+              </a:defRPr>
+            </a:lvl9pPr>
+          </a:lstStyle>
+          <a:p>
+            <a:pPr marL="0" indent="0" algn="just">
+              <a:buFont typeface="Arial" panose="020B0604020202020204" pitchFamily="34" charset="0"/>
+              <a:buNone/>
+            </a:pPr>
+            <a:r>
+              <a:rPr lang="ru-RU" sz="1600" b="1">
+                <a:latin typeface="Arial" panose="020B0604020202020204" pitchFamily="34" charset="0"/>
+                <a:cs typeface="Arial" panose="020B0604020202020204" pitchFamily="34" charset="0"/>
+              </a:rPr>
+              <a:t>1. Моделирование реакции слухового нерва. </a:t>
+            </a:r>
+          </a:p>
+          <a:p>
+            <a:pPr algn="just"/>
+            <a:r>
+              <a:rPr lang="ru-RU" sz="1600" i="1">
+                <a:latin typeface="Arial" panose="020B0604020202020204" pitchFamily="34" charset="0"/>
+                <a:cs typeface="Arial" panose="020B0604020202020204" pitchFamily="34" charset="0"/>
+              </a:rPr>
+              <a:t>Исходные данные </a:t>
+            </a:r>
+            <a:r>
+              <a:rPr lang="ru-RU" sz="1600">
+                <a:latin typeface="Arial" panose="020B0604020202020204" pitchFamily="34" charset="0"/>
+                <a:cs typeface="Arial" panose="020B0604020202020204" pitchFamily="34" charset="0"/>
+              </a:rPr>
+              <a:t>- речевые сигналы в виде </a:t>
+            </a:r>
+            <a:r>
+              <a:rPr lang="en-US" sz="1600">
+                <a:latin typeface="Arial" panose="020B0604020202020204" pitchFamily="34" charset="0"/>
+                <a:cs typeface="Arial" panose="020B0604020202020204" pitchFamily="34" charset="0"/>
+              </a:rPr>
+              <a:t>WAV-</a:t>
+            </a:r>
+            <a:r>
+              <a:rPr lang="ru-RU" sz="1600">
+                <a:latin typeface="Arial" panose="020B0604020202020204" pitchFamily="34" charset="0"/>
+                <a:cs typeface="Arial" panose="020B0604020202020204" pitchFamily="34" charset="0"/>
+              </a:rPr>
+              <a:t>файлов. </a:t>
+            </a:r>
+          </a:p>
+          <a:p>
+            <a:pPr algn="just"/>
+            <a:r>
+              <a:rPr lang="ru-RU" sz="1600" i="1">
+                <a:latin typeface="Arial" panose="020B0604020202020204" pitchFamily="34" charset="0"/>
+                <a:cs typeface="Arial" panose="020B0604020202020204" pitchFamily="34" charset="0"/>
+              </a:rPr>
+              <a:t>Задача</a:t>
+            </a:r>
+            <a:r>
+              <a:rPr lang="ru-RU" sz="1600">
+                <a:latin typeface="Arial" panose="020B0604020202020204" pitchFamily="34" charset="0"/>
+                <a:cs typeface="Arial" panose="020B0604020202020204" pitchFamily="34" charset="0"/>
+              </a:rPr>
+              <a:t> - параметризация речевого сигнала с использованием имитационной модели слуховой периферии. </a:t>
+            </a:r>
+          </a:p>
+          <a:p>
+            <a:pPr algn="just"/>
+            <a:r>
+              <a:rPr lang="ru-RU" sz="1600" i="1">
+                <a:latin typeface="Arial" panose="020B0604020202020204" pitchFamily="34" charset="0"/>
+                <a:cs typeface="Arial" panose="020B0604020202020204" pitchFamily="34" charset="0"/>
+              </a:rPr>
+              <a:t>Цель</a:t>
+            </a:r>
+            <a:r>
+              <a:rPr lang="ru-RU" sz="1600">
+                <a:latin typeface="Arial" panose="020B0604020202020204" pitchFamily="34" charset="0"/>
+                <a:cs typeface="Arial" panose="020B0604020202020204" pitchFamily="34" charset="0"/>
+              </a:rPr>
+              <a:t> - подготовка входных данных для классификатора.</a:t>
+            </a:r>
+          </a:p>
+          <a:p>
+            <a:pPr algn="just"/>
+            <a:endParaRPr lang="ru-RU" sz="1600">
+              <a:latin typeface="Arial" panose="020B0604020202020204" pitchFamily="34" charset="0"/>
+              <a:cs typeface="Arial" panose="020B0604020202020204" pitchFamily="34" charset="0"/>
+            </a:endParaRPr>
+          </a:p>
+          <a:p>
+            <a:pPr marL="0" indent="0" algn="just">
+              <a:buFont typeface="Arial" panose="020B0604020202020204" pitchFamily="34" charset="0"/>
+              <a:buNone/>
+            </a:pPr>
+            <a:r>
+              <a:rPr lang="ru-RU" sz="1600" b="1">
+                <a:latin typeface="Arial" panose="020B0604020202020204" pitchFamily="34" charset="0"/>
+                <a:cs typeface="Arial" panose="020B0604020202020204" pitchFamily="34" charset="0"/>
+              </a:rPr>
+              <a:t>2. Разработка системы классификации нестационарных потоков многомерных данных в реальном времени.</a:t>
+            </a:r>
+          </a:p>
+          <a:p>
+            <a:pPr algn="just"/>
+            <a:r>
+              <a:rPr lang="ru-RU" sz="1600" i="1">
+                <a:latin typeface="Arial" panose="020B0604020202020204" pitchFamily="34" charset="0"/>
+                <a:cs typeface="Arial" panose="020B0604020202020204" pitchFamily="34" charset="0"/>
+              </a:rPr>
+              <a:t>Исходные данные </a:t>
+            </a:r>
+            <a:r>
+              <a:rPr lang="ru-RU" sz="1600">
+                <a:latin typeface="Arial" panose="020B0604020202020204" pitchFamily="34" charset="0"/>
+                <a:cs typeface="Arial" panose="020B0604020202020204" pitchFamily="34" charset="0"/>
+              </a:rPr>
+              <a:t>- многомерная матрица данных характеризующая паттерн активности волокон слухового нерва.</a:t>
+            </a:r>
+          </a:p>
+          <a:p>
+            <a:pPr algn="just"/>
+            <a:r>
+              <a:rPr lang="ru-RU" sz="1600" i="1">
+                <a:latin typeface="Arial" panose="020B0604020202020204" pitchFamily="34" charset="0"/>
+                <a:cs typeface="Arial" panose="020B0604020202020204" pitchFamily="34" charset="0"/>
+              </a:rPr>
+              <a:t>Задача</a:t>
+            </a:r>
+            <a:r>
+              <a:rPr lang="ru-RU" sz="1600">
+                <a:latin typeface="Arial" panose="020B0604020202020204" pitchFamily="34" charset="0"/>
+                <a:cs typeface="Arial" panose="020B0604020202020204" pitchFamily="34" charset="0"/>
+              </a:rPr>
+              <a:t> - реализация гибридного алгоритма динамического обучения.</a:t>
+            </a:r>
+          </a:p>
+          <a:p>
+            <a:pPr algn="just"/>
+            <a:r>
+              <a:rPr lang="ru-RU" sz="1600" i="1">
+                <a:latin typeface="Arial" panose="020B0604020202020204" pitchFamily="34" charset="0"/>
+                <a:cs typeface="Arial" panose="020B0604020202020204" pitchFamily="34" charset="0"/>
+              </a:rPr>
+              <a:t>Цель</a:t>
+            </a:r>
+            <a:r>
+              <a:rPr lang="ru-RU" sz="1600">
+                <a:latin typeface="Arial" panose="020B0604020202020204" pitchFamily="34" charset="0"/>
+                <a:cs typeface="Arial" panose="020B0604020202020204" pitchFamily="34" charset="0"/>
+              </a:rPr>
+              <a:t> - создание прогнозирующих моделей входных сигналов и их классификация.</a:t>
+            </a:r>
             <a:endParaRPr lang="en-US" sz="1600" dirty="0">
               <a:latin typeface="Arial" panose="020B0604020202020204" pitchFamily="34" charset="0"/>
               <a:cs typeface="Arial" panose="020B0604020202020204" pitchFamily="34" charset="0"/>
             </a:endParaRPr>
           </a:p>
-          <a:p>
-            <a:r>
-              <a:rPr lang="ru-RU" sz="1600" dirty="0">
-                <a:latin typeface="Arial" panose="020B0604020202020204" pitchFamily="34" charset="0"/>
-                <a:cs typeface="Arial" panose="020B0604020202020204" pitchFamily="34" charset="0"/>
-              </a:rPr>
-              <a:t>Связь с системами классификации речевых сигналов</a:t>
-            </a:r>
-            <a:r>
-              <a:rPr lang="en-US" sz="1600" dirty="0">
-                <a:latin typeface="Arial" panose="020B0604020202020204" pitchFamily="34" charset="0"/>
-                <a:cs typeface="Arial" panose="020B0604020202020204" pitchFamily="34" charset="0"/>
-              </a:rPr>
-              <a:t>:</a:t>
-            </a:r>
-            <a:endParaRPr lang="ru-RU" sz="1600" dirty="0">
-              <a:latin typeface="Arial" panose="020B0604020202020204" pitchFamily="34" charset="0"/>
-              <a:cs typeface="Arial" panose="020B0604020202020204" pitchFamily="34" charset="0"/>
-            </a:endParaRPr>
-          </a:p>
-        </p:txBody>
-      </p:sp>
-      <p:sp>
-        <p:nvSpPr>
-          <p:cNvPr id="25" name="Скругленный прямоугольник 24"/>
-          <p:cNvSpPr/>
-          <p:nvPr/>
-        </p:nvSpPr>
-        <p:spPr>
-          <a:xfrm>
-            <a:off x="3263457" y="1800133"/>
-            <a:ext cx="2463800" cy="630766"/>
-          </a:xfrm>
-          <a:prstGeom prst="roundRect">
-            <a:avLst/>
-          </a:prstGeom>
-          <a:ln>
-            <a:solidFill>
-              <a:schemeClr val="accent2">
-                <a:lumMod val="50000"/>
-              </a:schemeClr>
-            </a:solidFill>
-          </a:ln>
-        </p:spPr>
-        <p:style>
-          <a:lnRef idx="2">
-            <a:schemeClr val="accent2"/>
-          </a:lnRef>
-          <a:fillRef idx="1">
-            <a:schemeClr val="lt1"/>
-          </a:fillRef>
-          <a:effectRef idx="0">
-            <a:schemeClr val="accent2"/>
-          </a:effectRef>
-          <a:fontRef idx="minor">
-            <a:schemeClr val="dk1"/>
-          </a:fontRef>
-        </p:style>
-        <p:txBody>
-          <a:bodyPr rtlCol="0" anchor="ctr"/>
-          <a:lstStyle/>
-          <a:p>
-            <a:pPr algn="ctr"/>
-            <a:r>
-              <a:rPr lang="ru-RU" sz="1400" dirty="0">
-                <a:solidFill>
-                  <a:schemeClr val="tx1"/>
-                </a:solidFill>
-                <a:latin typeface="Arial" panose="020B0604020202020204" pitchFamily="34" charset="0"/>
-                <a:ea typeface="Cambria Math" panose="02040503050406030204" pitchFamily="18" charset="0"/>
-                <a:cs typeface="Arial" panose="020B0604020202020204" pitchFamily="34" charset="0"/>
-              </a:rPr>
-              <a:t>Речевой сигнал</a:t>
-            </a:r>
-            <a:endParaRPr lang="ru-RU" sz="1400" dirty="0">
-              <a:solidFill>
-                <a:schemeClr val="tx1"/>
-              </a:solidFill>
-              <a:latin typeface="Arial" panose="020B0604020202020204" pitchFamily="34" charset="0"/>
-              <a:cs typeface="Arial" panose="020B0604020202020204" pitchFamily="34" charset="0"/>
-            </a:endParaRPr>
-          </a:p>
-        </p:txBody>
-      </p:sp>
-      <p:sp>
-        <p:nvSpPr>
-          <p:cNvPr id="27" name="Скругленный прямоугольник 26"/>
-          <p:cNvSpPr/>
-          <p:nvPr/>
-        </p:nvSpPr>
-        <p:spPr>
-          <a:xfrm>
-            <a:off x="3263453" y="2641787"/>
-            <a:ext cx="2463800" cy="630766"/>
-          </a:xfrm>
-          <a:prstGeom prst="roundRect">
-            <a:avLst/>
-          </a:prstGeom>
-        </p:spPr>
-        <p:style>
-          <a:lnRef idx="2">
-            <a:schemeClr val="accent2"/>
-          </a:lnRef>
-          <a:fillRef idx="1">
-            <a:schemeClr val="lt1"/>
-          </a:fillRef>
-          <a:effectRef idx="0">
-            <a:schemeClr val="accent2"/>
-          </a:effectRef>
-          <a:fontRef idx="minor">
-            <a:schemeClr val="dk1"/>
-          </a:fontRef>
-        </p:style>
-        <p:txBody>
-          <a:bodyPr rtlCol="0" anchor="ctr"/>
-          <a:lstStyle/>
-          <a:p>
-            <a:pPr algn="ctr"/>
-            <a:r>
-              <a:rPr lang="ru-RU" sz="1400" dirty="0">
-                <a:latin typeface="Arial" panose="020B0604020202020204" pitchFamily="34" charset="0"/>
-                <a:ea typeface="Cambria Math" panose="02040503050406030204" pitchFamily="18" charset="0"/>
-                <a:cs typeface="Arial" panose="020B0604020202020204" pitchFamily="34" charset="0"/>
-              </a:rPr>
-              <a:t>Предобработка</a:t>
-            </a:r>
-            <a:endParaRPr lang="ru-RU" sz="1400" dirty="0">
-              <a:latin typeface="Arial" panose="020B0604020202020204" pitchFamily="34" charset="0"/>
-              <a:cs typeface="Arial" panose="020B0604020202020204" pitchFamily="34" charset="0"/>
-            </a:endParaRPr>
-          </a:p>
-        </p:txBody>
-      </p:sp>
-      <p:sp>
-        <p:nvSpPr>
-          <p:cNvPr id="28" name="Скругленный прямоугольник 27"/>
-          <p:cNvSpPr/>
-          <p:nvPr/>
-        </p:nvSpPr>
-        <p:spPr>
-          <a:xfrm>
-            <a:off x="3263453" y="3483441"/>
-            <a:ext cx="2463800" cy="630766"/>
-          </a:xfrm>
-          <a:prstGeom prst="roundRect">
-            <a:avLst/>
-          </a:prstGeom>
-        </p:spPr>
-        <p:style>
-          <a:lnRef idx="2">
-            <a:schemeClr val="accent2"/>
-          </a:lnRef>
-          <a:fillRef idx="1">
-            <a:schemeClr val="lt1"/>
-          </a:fillRef>
-          <a:effectRef idx="0">
-            <a:schemeClr val="accent2"/>
-          </a:effectRef>
-          <a:fontRef idx="minor">
-            <a:schemeClr val="dk1"/>
-          </a:fontRef>
-        </p:style>
-        <p:txBody>
-          <a:bodyPr rtlCol="0" anchor="ctr"/>
-          <a:lstStyle/>
-          <a:p>
-            <a:pPr algn="ctr"/>
-            <a:r>
-              <a:rPr lang="ru-RU" sz="1400" b="1" dirty="0">
-                <a:solidFill>
-                  <a:srgbClr val="FF0000"/>
-                </a:solidFill>
-                <a:latin typeface="Arial" panose="020B0604020202020204" pitchFamily="34" charset="0"/>
-                <a:ea typeface="Cambria Math" panose="02040503050406030204" pitchFamily="18" charset="0"/>
-                <a:cs typeface="Arial" panose="020B0604020202020204" pitchFamily="34" charset="0"/>
-              </a:rPr>
-              <a:t>Параметризация</a:t>
-            </a:r>
-            <a:endParaRPr lang="ru-RU" sz="1400" b="1" dirty="0">
-              <a:solidFill>
-                <a:srgbClr val="FF0000"/>
-              </a:solidFill>
-              <a:latin typeface="Arial" panose="020B0604020202020204" pitchFamily="34" charset="0"/>
-              <a:cs typeface="Arial" panose="020B0604020202020204" pitchFamily="34" charset="0"/>
-            </a:endParaRPr>
-          </a:p>
-        </p:txBody>
-      </p:sp>
-      <p:sp>
-        <p:nvSpPr>
-          <p:cNvPr id="29" name="Скругленный прямоугольник 28"/>
-          <p:cNvSpPr/>
-          <p:nvPr/>
-        </p:nvSpPr>
-        <p:spPr>
-          <a:xfrm>
-            <a:off x="3263457" y="4617644"/>
-            <a:ext cx="2463800" cy="630766"/>
-          </a:xfrm>
-          <a:prstGeom prst="roundRect">
-            <a:avLst/>
-          </a:prstGeom>
-        </p:spPr>
-        <p:style>
-          <a:lnRef idx="2">
-            <a:schemeClr val="accent2"/>
-          </a:lnRef>
-          <a:fillRef idx="1">
-            <a:schemeClr val="lt1"/>
-          </a:fillRef>
-          <a:effectRef idx="0">
-            <a:schemeClr val="accent2"/>
-          </a:effectRef>
-          <a:fontRef idx="minor">
-            <a:schemeClr val="dk1"/>
-          </a:fontRef>
-        </p:style>
-        <p:txBody>
-          <a:bodyPr rtlCol="0" anchor="ctr"/>
-          <a:lstStyle/>
-          <a:p>
-            <a:pPr algn="ctr"/>
-            <a:r>
-              <a:rPr lang="ru-RU" sz="1400" dirty="0">
-                <a:latin typeface="Arial" panose="020B0604020202020204" pitchFamily="34" charset="0"/>
-                <a:ea typeface="Cambria Math" panose="02040503050406030204" pitchFamily="18" charset="0"/>
-                <a:cs typeface="Arial" panose="020B0604020202020204" pitchFamily="34" charset="0"/>
-              </a:rPr>
-              <a:t>Нормализация</a:t>
-            </a:r>
-            <a:endParaRPr lang="ru-RU" sz="1400" dirty="0">
-              <a:latin typeface="Arial" panose="020B0604020202020204" pitchFamily="34" charset="0"/>
-              <a:cs typeface="Arial" panose="020B0604020202020204" pitchFamily="34" charset="0"/>
-            </a:endParaRPr>
-          </a:p>
-        </p:txBody>
-      </p:sp>
-      <p:sp>
-        <p:nvSpPr>
-          <p:cNvPr id="30" name="Скругленный прямоугольник 29"/>
-          <p:cNvSpPr/>
-          <p:nvPr/>
-        </p:nvSpPr>
-        <p:spPr>
-          <a:xfrm>
-            <a:off x="3263457" y="5459298"/>
-            <a:ext cx="2463800" cy="738302"/>
-          </a:xfrm>
-          <a:prstGeom prst="roundRect">
-            <a:avLst/>
-          </a:prstGeom>
-        </p:spPr>
-        <p:style>
-          <a:lnRef idx="2">
-            <a:schemeClr val="accent2"/>
-          </a:lnRef>
-          <a:fillRef idx="1">
-            <a:schemeClr val="lt1"/>
-          </a:fillRef>
-          <a:effectRef idx="0">
-            <a:schemeClr val="accent2"/>
-          </a:effectRef>
-          <a:fontRef idx="minor">
-            <a:schemeClr val="dk1"/>
-          </a:fontRef>
-        </p:style>
-        <p:txBody>
-          <a:bodyPr rtlCol="0" anchor="ctr"/>
-          <a:lstStyle/>
-          <a:p>
-            <a:pPr algn="ctr"/>
-            <a:r>
-              <a:rPr lang="ru-RU" sz="1400" dirty="0">
-                <a:latin typeface="Arial" panose="020B0604020202020204" pitchFamily="34" charset="0"/>
-                <a:ea typeface="Cambria Math" panose="02040503050406030204" pitchFamily="18" charset="0"/>
-                <a:cs typeface="Arial" panose="020B0604020202020204" pitchFamily="34" charset="0"/>
-              </a:rPr>
-              <a:t>Настройка прогнозирующей модели </a:t>
-            </a:r>
-            <a:r>
-              <a:rPr lang="ru-RU" sz="1400" b="1" dirty="0">
-                <a:solidFill>
-                  <a:srgbClr val="FF0000"/>
-                </a:solidFill>
-                <a:latin typeface="Arial" panose="020B0604020202020204" pitchFamily="34" charset="0"/>
-                <a:ea typeface="Cambria Math" panose="02040503050406030204" pitchFamily="18" charset="0"/>
-                <a:cs typeface="Arial" panose="020B0604020202020204" pitchFamily="34" charset="0"/>
-              </a:rPr>
-              <a:t>офлайн</a:t>
-            </a:r>
-            <a:endParaRPr lang="ru-RU" sz="1400" b="1" dirty="0">
-              <a:solidFill>
-                <a:srgbClr val="FF0000"/>
-              </a:solidFill>
-              <a:latin typeface="Arial" panose="020B0604020202020204" pitchFamily="34" charset="0"/>
-              <a:cs typeface="Arial" panose="020B0604020202020204" pitchFamily="34" charset="0"/>
-            </a:endParaRPr>
-          </a:p>
-        </p:txBody>
-      </p:sp>
-      <p:cxnSp>
-        <p:nvCxnSpPr>
-          <p:cNvPr id="31" name="Прямая со стрелкой 30"/>
-          <p:cNvCxnSpPr>
-            <a:stCxn id="25" idx="2"/>
-          </p:cNvCxnSpPr>
-          <p:nvPr/>
-        </p:nvCxnSpPr>
-        <p:spPr>
-          <a:xfrm>
-            <a:off x="4495357" y="2430899"/>
-            <a:ext cx="0" cy="210888"/>
-          </a:xfrm>
-          <a:prstGeom prst="straightConnector1">
-            <a:avLst/>
-          </a:prstGeom>
-          <a:ln>
-            <a:solidFill>
-              <a:schemeClr val="accent2">
-                <a:lumMod val="50000"/>
-              </a:schemeClr>
-            </a:solidFill>
-            <a:tailEnd type="triangle"/>
-          </a:ln>
-        </p:spPr>
-        <p:style>
-          <a:lnRef idx="2">
-            <a:schemeClr val="accent2"/>
-          </a:lnRef>
-          <a:fillRef idx="0">
-            <a:schemeClr val="accent2"/>
-          </a:fillRef>
-          <a:effectRef idx="1">
-            <a:schemeClr val="accent2"/>
-          </a:effectRef>
-          <a:fontRef idx="minor">
-            <a:schemeClr val="tx1"/>
-          </a:fontRef>
-        </p:style>
-      </p:cxnSp>
-      <p:cxnSp>
-        <p:nvCxnSpPr>
-          <p:cNvPr id="32" name="Прямая со стрелкой 31"/>
-          <p:cNvCxnSpPr/>
-          <p:nvPr/>
-        </p:nvCxnSpPr>
-        <p:spPr>
-          <a:xfrm>
-            <a:off x="4495353" y="3272553"/>
-            <a:ext cx="0" cy="210888"/>
-          </a:xfrm>
-          <a:prstGeom prst="straightConnector1">
-            <a:avLst/>
-          </a:prstGeom>
-          <a:ln>
-            <a:tailEnd type="triangle"/>
-          </a:ln>
-        </p:spPr>
-        <p:style>
-          <a:lnRef idx="2">
-            <a:schemeClr val="accent2"/>
-          </a:lnRef>
-          <a:fillRef idx="0">
-            <a:schemeClr val="accent2"/>
-          </a:fillRef>
-          <a:effectRef idx="1">
-            <a:schemeClr val="accent2"/>
-          </a:effectRef>
-          <a:fontRef idx="minor">
-            <a:schemeClr val="tx1"/>
-          </a:fontRef>
-        </p:style>
-      </p:cxnSp>
-      <p:cxnSp>
-        <p:nvCxnSpPr>
-          <p:cNvPr id="35" name="Прямая со стрелкой 34"/>
-          <p:cNvCxnSpPr>
-            <a:stCxn id="28" idx="2"/>
-          </p:cNvCxnSpPr>
-          <p:nvPr/>
-        </p:nvCxnSpPr>
-        <p:spPr>
-          <a:xfrm>
-            <a:off x="4495353" y="4114207"/>
-            <a:ext cx="4" cy="503437"/>
-          </a:xfrm>
-          <a:prstGeom prst="straightConnector1">
-            <a:avLst/>
-          </a:prstGeom>
-          <a:ln>
-            <a:tailEnd type="triangle"/>
-          </a:ln>
-        </p:spPr>
-        <p:style>
-          <a:lnRef idx="2">
-            <a:schemeClr val="accent2"/>
-          </a:lnRef>
-          <a:fillRef idx="0">
-            <a:schemeClr val="accent2"/>
-          </a:fillRef>
-          <a:effectRef idx="1">
-            <a:schemeClr val="accent2"/>
-          </a:effectRef>
-          <a:fontRef idx="minor">
-            <a:schemeClr val="tx1"/>
-          </a:fontRef>
-        </p:style>
-      </p:cxnSp>
-      <p:cxnSp>
-        <p:nvCxnSpPr>
-          <p:cNvPr id="37" name="Прямая со стрелкой 36"/>
-          <p:cNvCxnSpPr/>
-          <p:nvPr/>
-        </p:nvCxnSpPr>
-        <p:spPr>
-          <a:xfrm>
-            <a:off x="4500110" y="5248410"/>
-            <a:ext cx="0" cy="210888"/>
-          </a:xfrm>
-          <a:prstGeom prst="straightConnector1">
-            <a:avLst/>
-          </a:prstGeom>
-          <a:ln>
-            <a:tailEnd type="triangle"/>
-          </a:ln>
-        </p:spPr>
-        <p:style>
-          <a:lnRef idx="2">
-            <a:schemeClr val="accent2"/>
-          </a:lnRef>
-          <a:fillRef idx="0">
-            <a:schemeClr val="accent2"/>
-          </a:fillRef>
-          <a:effectRef idx="1">
-            <a:schemeClr val="accent2"/>
-          </a:effectRef>
-          <a:fontRef idx="minor">
-            <a:schemeClr val="tx1"/>
-          </a:fontRef>
-        </p:style>
-      </p:cxnSp>
-      <p:sp>
-        <p:nvSpPr>
-          <p:cNvPr id="38" name="Правая фигурная скобка 37"/>
-          <p:cNvSpPr/>
-          <p:nvPr/>
-        </p:nvSpPr>
-        <p:spPr>
-          <a:xfrm rot="10800000">
-            <a:off x="3006271" y="2537747"/>
-            <a:ext cx="257184" cy="2710663"/>
-          </a:xfrm>
-          <a:prstGeom prst="rightBrace">
-            <a:avLst>
-              <a:gd name="adj1" fmla="val 8333"/>
-              <a:gd name="adj2" fmla="val 51610"/>
-            </a:avLst>
-          </a:prstGeom>
-        </p:spPr>
-        <p:style>
-          <a:lnRef idx="2">
-            <a:schemeClr val="dk1"/>
-          </a:lnRef>
-          <a:fillRef idx="0">
-            <a:schemeClr val="dk1"/>
-          </a:fillRef>
-          <a:effectRef idx="1">
-            <a:schemeClr val="dk1"/>
-          </a:effectRef>
-          <a:fontRef idx="minor">
-            <a:schemeClr val="tx1"/>
-          </a:fontRef>
-        </p:style>
-        <p:txBody>
-          <a:bodyPr rtlCol="0" anchor="ctr"/>
-          <a:lstStyle/>
-          <a:p>
-            <a:pPr algn="ctr"/>
-            <a:endParaRPr lang="ru-RU" sz="1400">
-              <a:latin typeface="Arial" panose="020B0604020202020204" pitchFamily="34" charset="0"/>
-              <a:cs typeface="Arial" panose="020B0604020202020204" pitchFamily="34" charset="0"/>
-            </a:endParaRPr>
-          </a:p>
-        </p:txBody>
-      </p:sp>
-      <p:sp>
-        <p:nvSpPr>
-          <p:cNvPr id="39" name="Правая фигурная скобка 38"/>
-          <p:cNvSpPr/>
-          <p:nvPr/>
-        </p:nvSpPr>
-        <p:spPr>
-          <a:xfrm rot="10800000">
-            <a:off x="3006269" y="5459298"/>
-            <a:ext cx="257184" cy="738302"/>
-          </a:xfrm>
-          <a:prstGeom prst="rightBrace">
-            <a:avLst>
-              <a:gd name="adj1" fmla="val 8333"/>
-              <a:gd name="adj2" fmla="val 51610"/>
-            </a:avLst>
-          </a:prstGeom>
-        </p:spPr>
-        <p:style>
-          <a:lnRef idx="2">
-            <a:schemeClr val="dk1"/>
-          </a:lnRef>
-          <a:fillRef idx="0">
-            <a:schemeClr val="dk1"/>
-          </a:fillRef>
-          <a:effectRef idx="1">
-            <a:schemeClr val="dk1"/>
-          </a:effectRef>
-          <a:fontRef idx="minor">
-            <a:schemeClr val="tx1"/>
-          </a:fontRef>
-        </p:style>
-        <p:txBody>
-          <a:bodyPr rtlCol="0" anchor="ctr"/>
-          <a:lstStyle/>
-          <a:p>
-            <a:pPr algn="ctr"/>
-            <a:endParaRPr lang="ru-RU" sz="1400">
-              <a:latin typeface="Arial" panose="020B0604020202020204" pitchFamily="34" charset="0"/>
-              <a:cs typeface="Arial" panose="020B0604020202020204" pitchFamily="34" charset="0"/>
-            </a:endParaRPr>
-          </a:p>
-        </p:txBody>
-      </p:sp>
-      <p:sp>
-        <p:nvSpPr>
-          <p:cNvPr id="40" name="TextBox 39"/>
-          <p:cNvSpPr txBox="1"/>
-          <p:nvPr/>
-        </p:nvSpPr>
-        <p:spPr>
-          <a:xfrm rot="16200000">
-            <a:off x="1961785" y="3937484"/>
-            <a:ext cx="1231171" cy="307777"/>
-          </a:xfrm>
-          <a:prstGeom prst="rect">
-            <a:avLst/>
-          </a:prstGeom>
-          <a:noFill/>
-        </p:spPr>
-        <p:txBody>
-          <a:bodyPr wrap="none" rtlCol="0">
-            <a:spAutoFit/>
-          </a:bodyPr>
-          <a:lstStyle/>
-          <a:p>
-            <a:r>
-              <a:rPr lang="en-US" sz="1400" dirty="0">
-                <a:latin typeface="Arial" panose="020B0604020202020204" pitchFamily="34" charset="0"/>
-                <a:ea typeface="Cambria Math" panose="02040503050406030204" pitchFamily="18" charset="0"/>
-                <a:cs typeface="Arial" panose="020B0604020202020204" pitchFamily="34" charset="0"/>
-              </a:rPr>
-              <a:t>FRONT-END</a:t>
-            </a:r>
-            <a:endParaRPr lang="ru-RU" sz="1400" dirty="0">
-              <a:latin typeface="Arial" panose="020B0604020202020204" pitchFamily="34" charset="0"/>
-              <a:ea typeface="Cambria Math" panose="02040503050406030204" pitchFamily="18" charset="0"/>
-              <a:cs typeface="Arial" panose="020B0604020202020204" pitchFamily="34" charset="0"/>
-            </a:endParaRPr>
-          </a:p>
-        </p:txBody>
-      </p:sp>
-      <p:sp>
-        <p:nvSpPr>
-          <p:cNvPr id="81" name="TextBox 80"/>
-          <p:cNvSpPr txBox="1"/>
-          <p:nvPr/>
-        </p:nvSpPr>
-        <p:spPr>
-          <a:xfrm rot="16200000">
-            <a:off x="2019899" y="5620793"/>
-            <a:ext cx="1114408" cy="307777"/>
-          </a:xfrm>
-          <a:prstGeom prst="rect">
-            <a:avLst/>
-          </a:prstGeom>
-          <a:noFill/>
-        </p:spPr>
-        <p:txBody>
-          <a:bodyPr wrap="none" rtlCol="0">
-            <a:spAutoFit/>
-          </a:bodyPr>
-          <a:lstStyle/>
-          <a:p>
-            <a:r>
-              <a:rPr lang="en-US" sz="1400" dirty="0">
-                <a:latin typeface="Arial" panose="020B0604020202020204" pitchFamily="34" charset="0"/>
-                <a:ea typeface="Cambria Math" panose="02040503050406030204" pitchFamily="18" charset="0"/>
-                <a:cs typeface="Arial" panose="020B0604020202020204" pitchFamily="34" charset="0"/>
-              </a:rPr>
-              <a:t>BACK-END</a:t>
-            </a:r>
-            <a:endParaRPr lang="ru-RU" sz="1400" dirty="0">
-              <a:latin typeface="Arial" panose="020B0604020202020204" pitchFamily="34" charset="0"/>
-              <a:ea typeface="Cambria Math" panose="02040503050406030204" pitchFamily="18" charset="0"/>
-              <a:cs typeface="Arial" panose="020B0604020202020204" pitchFamily="34" charset="0"/>
-            </a:endParaRPr>
-          </a:p>
-        </p:txBody>
-      </p:sp>
-      <p:sp>
-        <p:nvSpPr>
-          <p:cNvPr id="82" name="Скругленный прямоугольник 81"/>
-          <p:cNvSpPr/>
-          <p:nvPr/>
-        </p:nvSpPr>
-        <p:spPr>
-          <a:xfrm>
-            <a:off x="6484777" y="1800133"/>
-            <a:ext cx="2463800" cy="630766"/>
-          </a:xfrm>
-          <a:prstGeom prst="roundRect">
-            <a:avLst/>
-          </a:prstGeom>
-          <a:ln>
-            <a:solidFill>
-              <a:schemeClr val="accent2">
-                <a:lumMod val="50000"/>
-              </a:schemeClr>
-            </a:solidFill>
-          </a:ln>
-        </p:spPr>
-        <p:style>
-          <a:lnRef idx="2">
-            <a:schemeClr val="accent2"/>
-          </a:lnRef>
-          <a:fillRef idx="1">
-            <a:schemeClr val="lt1"/>
-          </a:fillRef>
-          <a:effectRef idx="0">
-            <a:schemeClr val="accent2"/>
-          </a:effectRef>
-          <a:fontRef idx="minor">
-            <a:schemeClr val="dk1"/>
-          </a:fontRef>
-        </p:style>
-        <p:txBody>
-          <a:bodyPr rtlCol="0" anchor="ctr"/>
-          <a:lstStyle/>
-          <a:p>
-            <a:pPr algn="ctr"/>
-            <a:r>
-              <a:rPr lang="ru-RU" sz="1400" dirty="0">
-                <a:solidFill>
-                  <a:schemeClr val="tx1"/>
-                </a:solidFill>
-                <a:latin typeface="Arial" panose="020B0604020202020204" pitchFamily="34" charset="0"/>
-                <a:ea typeface="Cambria Math" panose="02040503050406030204" pitchFamily="18" charset="0"/>
-                <a:cs typeface="Arial" panose="020B0604020202020204" pitchFamily="34" charset="0"/>
-              </a:rPr>
-              <a:t>Речевой сигнал</a:t>
-            </a:r>
-            <a:endParaRPr lang="ru-RU" sz="1400" dirty="0">
-              <a:solidFill>
-                <a:schemeClr val="tx1"/>
-              </a:solidFill>
-              <a:latin typeface="Arial" panose="020B0604020202020204" pitchFamily="34" charset="0"/>
-              <a:cs typeface="Arial" panose="020B0604020202020204" pitchFamily="34" charset="0"/>
-            </a:endParaRPr>
-          </a:p>
-        </p:txBody>
-      </p:sp>
-      <p:sp>
-        <p:nvSpPr>
-          <p:cNvPr id="83" name="Скругленный прямоугольник 82"/>
-          <p:cNvSpPr/>
-          <p:nvPr/>
-        </p:nvSpPr>
-        <p:spPr>
-          <a:xfrm>
-            <a:off x="6484773" y="2641787"/>
-            <a:ext cx="2463800" cy="630766"/>
-          </a:xfrm>
-          <a:prstGeom prst="roundRect">
-            <a:avLst/>
-          </a:prstGeom>
-        </p:spPr>
-        <p:style>
-          <a:lnRef idx="2">
-            <a:schemeClr val="accent2"/>
-          </a:lnRef>
-          <a:fillRef idx="1">
-            <a:schemeClr val="lt1"/>
-          </a:fillRef>
-          <a:effectRef idx="0">
-            <a:schemeClr val="accent2"/>
-          </a:effectRef>
-          <a:fontRef idx="minor">
-            <a:schemeClr val="dk1"/>
-          </a:fontRef>
-        </p:style>
-        <p:txBody>
-          <a:bodyPr rtlCol="0" anchor="ctr"/>
-          <a:lstStyle/>
-          <a:p>
-            <a:pPr algn="ctr"/>
-            <a:r>
-              <a:rPr lang="ru-RU" sz="1400" dirty="0">
-                <a:latin typeface="Arial" panose="020B0604020202020204" pitchFamily="34" charset="0"/>
-                <a:ea typeface="Cambria Math" panose="02040503050406030204" pitchFamily="18" charset="0"/>
-                <a:cs typeface="Arial" panose="020B0604020202020204" pitchFamily="34" charset="0"/>
-              </a:rPr>
-              <a:t>Предобработка</a:t>
-            </a:r>
-            <a:endParaRPr lang="ru-RU" sz="1400" dirty="0">
-              <a:latin typeface="Arial" panose="020B0604020202020204" pitchFamily="34" charset="0"/>
-              <a:cs typeface="Arial" panose="020B0604020202020204" pitchFamily="34" charset="0"/>
-            </a:endParaRPr>
-          </a:p>
-        </p:txBody>
-      </p:sp>
-      <p:sp>
-        <p:nvSpPr>
-          <p:cNvPr id="84" name="Скругленный прямоугольник 83"/>
-          <p:cNvSpPr/>
-          <p:nvPr/>
-        </p:nvSpPr>
-        <p:spPr>
-          <a:xfrm>
-            <a:off x="6484773" y="3483441"/>
-            <a:ext cx="2463800" cy="630766"/>
-          </a:xfrm>
-          <a:prstGeom prst="roundRect">
-            <a:avLst/>
-          </a:prstGeom>
-        </p:spPr>
-        <p:style>
-          <a:lnRef idx="2">
-            <a:schemeClr val="accent2"/>
-          </a:lnRef>
-          <a:fillRef idx="1">
-            <a:schemeClr val="lt1"/>
-          </a:fillRef>
-          <a:effectRef idx="0">
-            <a:schemeClr val="accent2"/>
-          </a:effectRef>
-          <a:fontRef idx="minor">
-            <a:schemeClr val="dk1"/>
-          </a:fontRef>
-        </p:style>
-        <p:txBody>
-          <a:bodyPr rtlCol="0" anchor="ctr"/>
-          <a:lstStyle/>
-          <a:p>
-            <a:pPr algn="ctr"/>
-            <a:r>
-              <a:rPr lang="ru-RU" sz="1400" b="1" dirty="0">
-                <a:solidFill>
-                  <a:srgbClr val="FF0000"/>
-                </a:solidFill>
-                <a:latin typeface="Arial" panose="020B0604020202020204" pitchFamily="34" charset="0"/>
-                <a:ea typeface="Cambria Math" panose="02040503050406030204" pitchFamily="18" charset="0"/>
-                <a:cs typeface="Arial" panose="020B0604020202020204" pitchFamily="34" charset="0"/>
-              </a:rPr>
-              <a:t>Моделирование реакции слухового нерва</a:t>
-            </a:r>
-            <a:endParaRPr lang="ru-RU" sz="1400" b="1" dirty="0">
-              <a:solidFill>
-                <a:srgbClr val="FF0000"/>
-              </a:solidFill>
-              <a:latin typeface="Arial" panose="020B0604020202020204" pitchFamily="34" charset="0"/>
-              <a:cs typeface="Arial" panose="020B0604020202020204" pitchFamily="34" charset="0"/>
-            </a:endParaRPr>
-          </a:p>
-        </p:txBody>
-      </p:sp>
-      <p:sp>
-        <p:nvSpPr>
-          <p:cNvPr id="85" name="Скругленный прямоугольник 84"/>
-          <p:cNvSpPr/>
-          <p:nvPr/>
-        </p:nvSpPr>
-        <p:spPr>
-          <a:xfrm>
-            <a:off x="6484777" y="4617644"/>
-            <a:ext cx="2463800" cy="630766"/>
-          </a:xfrm>
-          <a:prstGeom prst="roundRect">
-            <a:avLst/>
-          </a:prstGeom>
-        </p:spPr>
-        <p:style>
-          <a:lnRef idx="2">
-            <a:schemeClr val="accent2"/>
-          </a:lnRef>
-          <a:fillRef idx="1">
-            <a:schemeClr val="lt1"/>
-          </a:fillRef>
-          <a:effectRef idx="0">
-            <a:schemeClr val="accent2"/>
-          </a:effectRef>
-          <a:fontRef idx="minor">
-            <a:schemeClr val="dk1"/>
-          </a:fontRef>
-        </p:style>
-        <p:txBody>
-          <a:bodyPr rtlCol="0" anchor="ctr"/>
-          <a:lstStyle/>
-          <a:p>
-            <a:pPr algn="ctr"/>
-            <a:r>
-              <a:rPr lang="ru-RU" sz="1400" dirty="0">
-                <a:latin typeface="Arial" panose="020B0604020202020204" pitchFamily="34" charset="0"/>
-                <a:ea typeface="Cambria Math" panose="02040503050406030204" pitchFamily="18" charset="0"/>
-                <a:cs typeface="Arial" panose="020B0604020202020204" pitchFamily="34" charset="0"/>
-              </a:rPr>
-              <a:t>Нормализация</a:t>
-            </a:r>
-            <a:endParaRPr lang="ru-RU" sz="1400" dirty="0">
-              <a:latin typeface="Arial" panose="020B0604020202020204" pitchFamily="34" charset="0"/>
-              <a:cs typeface="Arial" panose="020B0604020202020204" pitchFamily="34" charset="0"/>
-            </a:endParaRPr>
-          </a:p>
-        </p:txBody>
-      </p:sp>
-      <p:sp>
-        <p:nvSpPr>
-          <p:cNvPr id="86" name="Скругленный прямоугольник 85"/>
-          <p:cNvSpPr/>
-          <p:nvPr/>
-        </p:nvSpPr>
-        <p:spPr>
-          <a:xfrm>
-            <a:off x="6484777" y="5459298"/>
-            <a:ext cx="2463800" cy="738302"/>
-          </a:xfrm>
-          <a:prstGeom prst="roundRect">
-            <a:avLst/>
-          </a:prstGeom>
-        </p:spPr>
-        <p:style>
-          <a:lnRef idx="2">
-            <a:schemeClr val="accent2"/>
-          </a:lnRef>
-          <a:fillRef idx="1">
-            <a:schemeClr val="lt1"/>
-          </a:fillRef>
-          <a:effectRef idx="0">
-            <a:schemeClr val="accent2"/>
-          </a:effectRef>
-          <a:fontRef idx="minor">
-            <a:schemeClr val="dk1"/>
-          </a:fontRef>
-        </p:style>
-        <p:txBody>
-          <a:bodyPr rtlCol="0" anchor="ctr"/>
-          <a:lstStyle/>
-          <a:p>
-            <a:pPr algn="ctr"/>
-            <a:r>
-              <a:rPr lang="ru-RU" sz="1400" dirty="0">
-                <a:latin typeface="Arial" panose="020B0604020202020204" pitchFamily="34" charset="0"/>
-                <a:ea typeface="Cambria Math" panose="02040503050406030204" pitchFamily="18" charset="0"/>
-                <a:cs typeface="Arial" panose="020B0604020202020204" pitchFamily="34" charset="0"/>
-              </a:rPr>
-              <a:t>Настройка прогнозирующей модели </a:t>
-            </a:r>
-            <a:r>
-              <a:rPr lang="ru-RU" sz="1400" b="1" dirty="0">
-                <a:solidFill>
-                  <a:srgbClr val="FF0000"/>
-                </a:solidFill>
-                <a:latin typeface="Arial" panose="020B0604020202020204" pitchFamily="34" charset="0"/>
-                <a:ea typeface="Cambria Math" panose="02040503050406030204" pitchFamily="18" charset="0"/>
-                <a:cs typeface="Arial" panose="020B0604020202020204" pitchFamily="34" charset="0"/>
-              </a:rPr>
-              <a:t>онлайн</a:t>
-            </a:r>
-            <a:endParaRPr lang="ru-RU" sz="1400" b="1" dirty="0">
-              <a:solidFill>
-                <a:srgbClr val="FF0000"/>
-              </a:solidFill>
-              <a:latin typeface="Arial" panose="020B0604020202020204" pitchFamily="34" charset="0"/>
-              <a:cs typeface="Arial" panose="020B0604020202020204" pitchFamily="34" charset="0"/>
-            </a:endParaRPr>
-          </a:p>
-        </p:txBody>
-      </p:sp>
-      <p:cxnSp>
-        <p:nvCxnSpPr>
-          <p:cNvPr id="87" name="Прямая со стрелкой 86"/>
-          <p:cNvCxnSpPr>
-            <a:stCxn id="82" idx="2"/>
-          </p:cNvCxnSpPr>
-          <p:nvPr/>
-        </p:nvCxnSpPr>
-        <p:spPr>
-          <a:xfrm>
-            <a:off x="7716677" y="2430899"/>
-            <a:ext cx="0" cy="210888"/>
-          </a:xfrm>
-          <a:prstGeom prst="straightConnector1">
-            <a:avLst/>
-          </a:prstGeom>
-          <a:ln>
-            <a:solidFill>
-              <a:schemeClr val="accent2">
-                <a:lumMod val="50000"/>
-              </a:schemeClr>
-            </a:solidFill>
-            <a:tailEnd type="triangle"/>
-          </a:ln>
-        </p:spPr>
-        <p:style>
-          <a:lnRef idx="2">
-            <a:schemeClr val="accent2"/>
-          </a:lnRef>
-          <a:fillRef idx="0">
-            <a:schemeClr val="accent2"/>
-          </a:fillRef>
-          <a:effectRef idx="1">
-            <a:schemeClr val="accent2"/>
-          </a:effectRef>
-          <a:fontRef idx="minor">
-            <a:schemeClr val="tx1"/>
-          </a:fontRef>
-        </p:style>
-      </p:cxnSp>
-      <p:cxnSp>
-        <p:nvCxnSpPr>
-          <p:cNvPr id="88" name="Прямая со стрелкой 87"/>
-          <p:cNvCxnSpPr/>
-          <p:nvPr/>
-        </p:nvCxnSpPr>
-        <p:spPr>
-          <a:xfrm>
-            <a:off x="7716673" y="3272553"/>
-            <a:ext cx="0" cy="210888"/>
-          </a:xfrm>
-          <a:prstGeom prst="straightConnector1">
-            <a:avLst/>
-          </a:prstGeom>
-          <a:ln>
-            <a:tailEnd type="triangle"/>
-          </a:ln>
-        </p:spPr>
-        <p:style>
-          <a:lnRef idx="2">
-            <a:schemeClr val="accent2"/>
-          </a:lnRef>
-          <a:fillRef idx="0">
-            <a:schemeClr val="accent2"/>
-          </a:fillRef>
-          <a:effectRef idx="1">
-            <a:schemeClr val="accent2"/>
-          </a:effectRef>
-          <a:fontRef idx="minor">
-            <a:schemeClr val="tx1"/>
-          </a:fontRef>
-        </p:style>
-      </p:cxnSp>
-      <p:cxnSp>
-        <p:nvCxnSpPr>
-          <p:cNvPr id="89" name="Прямая со стрелкой 88"/>
-          <p:cNvCxnSpPr>
-            <a:stCxn id="84" idx="2"/>
-          </p:cNvCxnSpPr>
-          <p:nvPr/>
-        </p:nvCxnSpPr>
-        <p:spPr>
-          <a:xfrm>
-            <a:off x="7716673" y="4114207"/>
-            <a:ext cx="4" cy="503437"/>
-          </a:xfrm>
-          <a:prstGeom prst="straightConnector1">
-            <a:avLst/>
-          </a:prstGeom>
-          <a:ln>
-            <a:tailEnd type="triangle"/>
-          </a:ln>
-        </p:spPr>
-        <p:style>
-          <a:lnRef idx="2">
-            <a:schemeClr val="accent2"/>
-          </a:lnRef>
-          <a:fillRef idx="0">
-            <a:schemeClr val="accent2"/>
-          </a:fillRef>
-          <a:effectRef idx="1">
-            <a:schemeClr val="accent2"/>
-          </a:effectRef>
-          <a:fontRef idx="minor">
-            <a:schemeClr val="tx1"/>
-          </a:fontRef>
-        </p:style>
-      </p:cxnSp>
-      <p:cxnSp>
-        <p:nvCxnSpPr>
-          <p:cNvPr id="90" name="Прямая со стрелкой 89"/>
-          <p:cNvCxnSpPr/>
-          <p:nvPr/>
-        </p:nvCxnSpPr>
-        <p:spPr>
-          <a:xfrm>
-            <a:off x="7721430" y="5248410"/>
-            <a:ext cx="0" cy="210888"/>
-          </a:xfrm>
-          <a:prstGeom prst="straightConnector1">
-            <a:avLst/>
-          </a:prstGeom>
-          <a:ln>
-            <a:tailEnd type="triangle"/>
-          </a:ln>
-        </p:spPr>
-        <p:style>
-          <a:lnRef idx="2">
-            <a:schemeClr val="accent2"/>
-          </a:lnRef>
-          <a:fillRef idx="0">
-            <a:schemeClr val="accent2"/>
-          </a:fillRef>
-          <a:effectRef idx="1">
-            <a:schemeClr val="accent2"/>
-          </a:effectRef>
-          <a:fontRef idx="minor">
-            <a:schemeClr val="tx1"/>
-          </a:fontRef>
-        </p:style>
-      </p:cxnSp>
-      <p:sp>
-        <p:nvSpPr>
-          <p:cNvPr id="95" name="TextBox 94"/>
-          <p:cNvSpPr txBox="1"/>
-          <p:nvPr/>
-        </p:nvSpPr>
-        <p:spPr>
-          <a:xfrm>
-            <a:off x="4495353" y="4104315"/>
-            <a:ext cx="1676847" cy="523220"/>
-          </a:xfrm>
-          <a:prstGeom prst="rect">
-            <a:avLst/>
-          </a:prstGeom>
-          <a:noFill/>
-        </p:spPr>
-        <p:txBody>
-          <a:bodyPr wrap="square" rtlCol="0">
-            <a:spAutoFit/>
-          </a:bodyPr>
-          <a:lstStyle/>
-          <a:p>
-            <a:r>
-              <a:rPr lang="ru-RU" sz="1400" dirty="0">
-                <a:solidFill>
-                  <a:schemeClr val="accent2"/>
-                </a:solidFill>
-                <a:latin typeface="Arial" panose="020B0604020202020204" pitchFamily="34" charset="0"/>
-                <a:cs typeface="Arial" panose="020B0604020202020204" pitchFamily="34" charset="0"/>
-              </a:rPr>
-              <a:t>Акустические признаки</a:t>
-            </a:r>
-          </a:p>
-        </p:txBody>
-      </p:sp>
-      <p:sp>
-        <p:nvSpPr>
-          <p:cNvPr id="96" name="TextBox 95"/>
-          <p:cNvSpPr txBox="1"/>
-          <p:nvPr/>
-        </p:nvSpPr>
-        <p:spPr>
-          <a:xfrm>
-            <a:off x="7758235" y="4094424"/>
-            <a:ext cx="1676847" cy="523220"/>
-          </a:xfrm>
-          <a:prstGeom prst="rect">
-            <a:avLst/>
-          </a:prstGeom>
-          <a:noFill/>
-        </p:spPr>
-        <p:txBody>
-          <a:bodyPr wrap="square" rtlCol="0">
-            <a:spAutoFit/>
-          </a:bodyPr>
-          <a:lstStyle/>
-          <a:p>
-            <a:r>
-              <a:rPr lang="ru-RU" sz="1400" dirty="0">
-                <a:solidFill>
-                  <a:schemeClr val="accent2"/>
-                </a:solidFill>
-                <a:latin typeface="Arial" panose="020B0604020202020204" pitchFamily="34" charset="0"/>
-                <a:cs typeface="Arial" panose="020B0604020202020204" pitchFamily="34" charset="0"/>
-              </a:rPr>
-              <a:t>Нервные</a:t>
-            </a:r>
-          </a:p>
-          <a:p>
-            <a:r>
-              <a:rPr lang="ru-RU" sz="1400" dirty="0">
-                <a:solidFill>
-                  <a:schemeClr val="accent2"/>
-                </a:solidFill>
-                <a:latin typeface="Arial" panose="020B0604020202020204" pitchFamily="34" charset="0"/>
-                <a:cs typeface="Arial" panose="020B0604020202020204" pitchFamily="34" charset="0"/>
-              </a:rPr>
-              <a:t>импульсы</a:t>
-            </a:r>
-          </a:p>
         </p:txBody>
       </p:sp>
     </p:spTree>
     <p:extLst>
       <p:ext uri="{BB962C8B-B14F-4D97-AF65-F5344CB8AC3E}">
-        <p14:creationId xmlns:p14="http://schemas.microsoft.com/office/powerpoint/2010/main" val="103909402"/>
+        <p14:creationId xmlns:p14="http://schemas.microsoft.com/office/powerpoint/2010/main" val="2672089791"/>
       </p:ext>
     </p:extLst>
   </p:cSld>
@@ -9693,7 +9740,7 @@
                 <a:latin typeface="Trebuchet MS"/>
                 <a:ea typeface="+mn-ea"/>
               </a:rPr>
-              <a:t>ИСХОДНЫЕ ДАННЫЕ</a:t>
+              <a:t>КЛАССИФИКАЦИЯ СИГНАЛОВ – 2 ПОДХОДА</a:t>
             </a:r>
             <a:endParaRPr kumimoji="0" lang="en-US" sz="2400" b="0" i="0" u="none" strike="noStrike" kern="1200" cap="none" spc="0" normalizeH="0" baseline="0" noProof="0" dirty="0">
               <a:ln>
@@ -9929,7 +9976,7 @@
         <p:spPr>
           <a:xfrm>
             <a:off x="625188" y="1624423"/>
-            <a:ext cx="10973254" cy="4552540"/>
+            <a:ext cx="11414412" cy="4552540"/>
           </a:xfrm>
         </p:spPr>
         <p:txBody>
@@ -9938,13 +9985,91 @@
           </a:bodyPr>
           <a:lstStyle/>
           <a:p>
+            <a:pPr marL="0" indent="0" algn="just">
+              <a:buNone/>
+            </a:pPr>
+            <a:r>
+              <a:rPr lang="ru-RU" sz="1600" b="1" dirty="0">
+                <a:latin typeface="Arial" panose="020B0604020202020204" pitchFamily="34" charset="0"/>
+                <a:cs typeface="Arial" panose="020B0604020202020204" pitchFamily="34" charset="0"/>
+              </a:rPr>
+              <a:t>1. </a:t>
+            </a:r>
+            <a:r>
+              <a:rPr lang="ru-RU" sz="1600" b="1" dirty="0" err="1">
+                <a:latin typeface="Arial" panose="020B0604020202020204" pitchFamily="34" charset="0"/>
+                <a:cs typeface="Arial" panose="020B0604020202020204" pitchFamily="34" charset="0"/>
+              </a:rPr>
+              <a:t>Сверточная</a:t>
+            </a:r>
+            <a:endParaRPr lang="ru-RU" sz="1600" b="1" dirty="0">
+              <a:latin typeface="Arial" panose="020B0604020202020204" pitchFamily="34" charset="0"/>
+              <a:cs typeface="Arial" panose="020B0604020202020204" pitchFamily="34" charset="0"/>
+            </a:endParaRPr>
+          </a:p>
+          <a:p>
             <a:pPr algn="just"/>
+            <a:r>
+              <a:rPr lang="ru-RU" sz="1600" i="1" dirty="0">
+                <a:latin typeface="Arial" panose="020B0604020202020204" pitchFamily="34" charset="0"/>
+                <a:cs typeface="Arial" panose="020B0604020202020204" pitchFamily="34" charset="0"/>
+              </a:rPr>
+              <a:t>Исходные данные </a:t>
+            </a:r>
             <a:r>
               <a:rPr lang="ru-RU" sz="1600" dirty="0">
                 <a:latin typeface="Arial" panose="020B0604020202020204" pitchFamily="34" charset="0"/>
                 <a:cs typeface="Arial" panose="020B0604020202020204" pitchFamily="34" charset="0"/>
               </a:rPr>
-              <a:t>В качестве исходных данных выступают потоки нервных импульсов в ответ на речевой сигнал, представляющие динамические паттерны активности волокон слухового нерва, полученные с использованием имитационной модели слуховой периферии.</a:t>
+              <a:t>- речевые сигналы в виде </a:t>
+            </a:r>
+            <a:r>
+              <a:rPr lang="en-US" sz="1600" dirty="0">
+                <a:latin typeface="Arial" panose="020B0604020202020204" pitchFamily="34" charset="0"/>
+                <a:cs typeface="Arial" panose="020B0604020202020204" pitchFamily="34" charset="0"/>
+              </a:rPr>
+              <a:t>WAV-</a:t>
+            </a:r>
+            <a:r>
+              <a:rPr lang="ru-RU" sz="1600" dirty="0">
+                <a:latin typeface="Arial" panose="020B0604020202020204" pitchFamily="34" charset="0"/>
+                <a:cs typeface="Arial" panose="020B0604020202020204" pitchFamily="34" charset="0"/>
+              </a:rPr>
+              <a:t>файлов. </a:t>
+            </a:r>
+          </a:p>
+          <a:p>
+            <a:pPr algn="just"/>
+            <a:r>
+              <a:rPr lang="ru-RU" sz="1600" i="1" dirty="0">
+                <a:latin typeface="Arial" panose="020B0604020202020204" pitchFamily="34" charset="0"/>
+                <a:cs typeface="Arial" panose="020B0604020202020204" pitchFamily="34" charset="0"/>
+              </a:rPr>
+              <a:t>Задача</a:t>
+            </a:r>
+            <a:r>
+              <a:rPr lang="ru-RU" sz="1600" dirty="0">
+                <a:latin typeface="Arial" panose="020B0604020202020204" pitchFamily="34" charset="0"/>
+                <a:cs typeface="Arial" panose="020B0604020202020204" pitchFamily="34" charset="0"/>
+              </a:rPr>
+              <a:t> - параметризация речевого сигнала с использованием имитационной модели слуховой периферии. </a:t>
+            </a:r>
+          </a:p>
+          <a:p>
+            <a:pPr algn="just"/>
+            <a:r>
+              <a:rPr lang="ru-RU" sz="1600" i="1" dirty="0">
+                <a:latin typeface="Arial" panose="020B0604020202020204" pitchFamily="34" charset="0"/>
+                <a:cs typeface="Arial" panose="020B0604020202020204" pitchFamily="34" charset="0"/>
+              </a:rPr>
+              <a:t>Цель</a:t>
+            </a:r>
+            <a:r>
+              <a:rPr lang="ru-RU" sz="1600" dirty="0">
+                <a:latin typeface="Arial" panose="020B0604020202020204" pitchFamily="34" charset="0"/>
+                <a:cs typeface="Arial" panose="020B0604020202020204" pitchFamily="34" charset="0"/>
+              </a:rPr>
+              <a:t> - подготовка входных данных для классификатора.</a:t>
             </a:r>
           </a:p>
           <a:p>
@@ -9954,143 +10079,71 @@
               <a:cs typeface="Arial" panose="020B0604020202020204" pitchFamily="34" charset="0"/>
             </a:endParaRPr>
           </a:p>
-        </p:txBody>
-      </p:sp>
-      <p:pic>
-        <p:nvPicPr>
-          <p:cNvPr id="6" name="Рисунок 5"/>
-          <p:cNvPicPr>
-            <a:picLocks noChangeAspect="1"/>
-          </p:cNvPicPr>
-          <p:nvPr/>
-        </p:nvPicPr>
-        <p:blipFill>
-          <a:blip r:embed="rId2">
-            <a:extLst>
-              <a:ext uri="{28A0092B-C50C-407E-A947-70E740481C1C}">
-                <a14:useLocalDpi xmlns:a14="http://schemas.microsoft.com/office/drawing/2010/main" val="0"/>
-              </a:ext>
-            </a:extLst>
-          </a:blip>
-          <a:stretch>
-            <a:fillRect/>
-          </a:stretch>
-        </p:blipFill>
-        <p:spPr>
-          <a:xfrm>
-            <a:off x="3951481" y="2888167"/>
-            <a:ext cx="4334566" cy="2869696"/>
-          </a:xfrm>
-          <a:prstGeom prst="rect">
-            <a:avLst/>
-          </a:prstGeom>
-        </p:spPr>
-      </p:pic>
-      <p:sp>
-        <p:nvSpPr>
-          <p:cNvPr id="9" name="TextBox 8"/>
-          <p:cNvSpPr txBox="1"/>
-          <p:nvPr/>
-        </p:nvSpPr>
-        <p:spPr>
-          <a:xfrm>
-            <a:off x="4100975" y="2718846"/>
-            <a:ext cx="4185072" cy="307777"/>
-          </a:xfrm>
-          <a:prstGeom prst="rect">
-            <a:avLst/>
-          </a:prstGeom>
-          <a:noFill/>
-        </p:spPr>
-        <p:txBody>
-          <a:bodyPr wrap="square" rtlCol="0">
-            <a:spAutoFit/>
-          </a:bodyPr>
-          <a:lstStyle/>
-          <a:p>
-            <a:pPr algn="ctr"/>
-            <a:r>
-              <a:rPr lang="en-US" sz="1400" dirty="0">
-                <a:latin typeface="Times New Roman" panose="02020603050405020304" pitchFamily="18" charset="0"/>
-                <a:cs typeface="Times New Roman" panose="02020603050405020304" pitchFamily="18" charset="0"/>
-              </a:rPr>
-              <a:t>Stimulus </a:t>
-            </a:r>
-            <a:r>
-              <a:rPr lang="en-US" sz="1400" dirty="0" err="1">
-                <a:latin typeface="Times New Roman" panose="02020603050405020304" pitchFamily="18" charset="0"/>
-                <a:cs typeface="Times New Roman" panose="02020603050405020304" pitchFamily="18" charset="0"/>
-              </a:rPr>
-              <a:t>oscillogram</a:t>
-            </a:r>
-            <a:r>
-              <a:rPr lang="ru-RU" sz="1400" dirty="0">
-                <a:latin typeface="Times New Roman" panose="02020603050405020304" pitchFamily="18" charset="0"/>
-                <a:cs typeface="Times New Roman" panose="02020603050405020304" pitchFamily="18" charset="0"/>
-              </a:rPr>
-              <a:t>.</a:t>
-            </a:r>
-            <a:r>
-              <a:rPr lang="en-US" sz="1400" dirty="0">
-                <a:latin typeface="Times New Roman" panose="02020603050405020304" pitchFamily="18" charset="0"/>
-                <a:cs typeface="Times New Roman" panose="02020603050405020304" pitchFamily="18" charset="0"/>
-              </a:rPr>
-              <a:t> 300 Hz, 1 </a:t>
-            </a:r>
-            <a:r>
-              <a:rPr lang="en-US" sz="1400" dirty="0" err="1">
-                <a:latin typeface="Times New Roman" panose="02020603050405020304" pitchFamily="18" charset="0"/>
-                <a:cs typeface="Times New Roman" panose="02020603050405020304" pitchFamily="18" charset="0"/>
-              </a:rPr>
-              <a:t>ms</a:t>
-            </a:r>
-            <a:r>
-              <a:rPr lang="en-US" sz="1400" dirty="0">
-                <a:latin typeface="Times New Roman" panose="02020603050405020304" pitchFamily="18" charset="0"/>
-                <a:cs typeface="Times New Roman" panose="02020603050405020304" pitchFamily="18" charset="0"/>
-              </a:rPr>
-              <a:t>, 60 dB SPL</a:t>
-            </a:r>
-            <a:endParaRPr lang="ru-RU" sz="1400" dirty="0">
-              <a:latin typeface="Times New Roman" panose="02020603050405020304" pitchFamily="18" charset="0"/>
-              <a:cs typeface="Times New Roman" panose="02020603050405020304" pitchFamily="18" charset="0"/>
-            </a:endParaRPr>
-          </a:p>
-        </p:txBody>
-      </p:sp>
-      <p:sp>
-        <p:nvSpPr>
-          <p:cNvPr id="10" name="TextBox 9"/>
-          <p:cNvSpPr txBox="1"/>
-          <p:nvPr/>
-        </p:nvSpPr>
-        <p:spPr>
-          <a:xfrm>
-            <a:off x="4100975" y="3557142"/>
-            <a:ext cx="4185072" cy="307777"/>
-          </a:xfrm>
-          <a:prstGeom prst="rect">
-            <a:avLst/>
-          </a:prstGeom>
-          <a:noFill/>
-        </p:spPr>
-        <p:txBody>
-          <a:bodyPr wrap="square" rtlCol="0">
-            <a:spAutoFit/>
-          </a:bodyPr>
-          <a:lstStyle/>
-          <a:p>
-            <a:pPr algn="ctr"/>
-            <a:r>
-              <a:rPr lang="en-US" sz="1400" dirty="0">
-                <a:latin typeface="Times New Roman" panose="02020603050405020304" pitchFamily="18" charset="0"/>
-                <a:cs typeface="Times New Roman" panose="02020603050405020304" pitchFamily="18" charset="0"/>
-              </a:rPr>
-              <a:t>Auditory nerve average spiking rate</a:t>
-            </a:r>
-            <a:endParaRPr lang="ru-RU" sz="1400" dirty="0">
-              <a:latin typeface="Times New Roman" panose="02020603050405020304" pitchFamily="18" charset="0"/>
-              <a:cs typeface="Times New Roman" panose="02020603050405020304" pitchFamily="18" charset="0"/>
+          <a:p>
+            <a:pPr marL="0" indent="0" algn="just">
+              <a:buNone/>
+            </a:pPr>
+            <a:r>
+              <a:rPr lang="ru-RU" sz="1600" b="1" dirty="0">
+                <a:latin typeface="Arial" panose="020B0604020202020204" pitchFamily="34" charset="0"/>
+                <a:cs typeface="Arial" panose="020B0604020202020204" pitchFamily="34" charset="0"/>
+              </a:rPr>
+              <a:t>2. Рекуррентная</a:t>
+            </a:r>
+          </a:p>
+          <a:p>
+            <a:pPr algn="just"/>
+            <a:r>
+              <a:rPr lang="ru-RU" sz="1600" i="1" dirty="0">
+                <a:latin typeface="Arial" panose="020B0604020202020204" pitchFamily="34" charset="0"/>
+                <a:cs typeface="Arial" panose="020B0604020202020204" pitchFamily="34" charset="0"/>
+              </a:rPr>
+              <a:t>Исходные данные </a:t>
+            </a:r>
+            <a:r>
+              <a:rPr lang="ru-RU" sz="1600" dirty="0">
+                <a:latin typeface="Arial" panose="020B0604020202020204" pitchFamily="34" charset="0"/>
+                <a:cs typeface="Arial" panose="020B0604020202020204" pitchFamily="34" charset="0"/>
+              </a:rPr>
+              <a:t>- многомерная матрица данных характеризующая паттерн активности волокон слухового нерва.</a:t>
+            </a:r>
+          </a:p>
+          <a:p>
+            <a:pPr algn="just"/>
+            <a:r>
+              <a:rPr lang="ru-RU" sz="1600" i="1" dirty="0">
+                <a:latin typeface="Arial" panose="020B0604020202020204" pitchFamily="34" charset="0"/>
+                <a:cs typeface="Arial" panose="020B0604020202020204" pitchFamily="34" charset="0"/>
+              </a:rPr>
+              <a:t>Задача</a:t>
+            </a:r>
+            <a:r>
+              <a:rPr lang="ru-RU" sz="1600" dirty="0">
+                <a:latin typeface="Arial" panose="020B0604020202020204" pitchFamily="34" charset="0"/>
+                <a:cs typeface="Arial" panose="020B0604020202020204" pitchFamily="34" charset="0"/>
+              </a:rPr>
+              <a:t> - реализация гибридного алгоритма динамического обучения.</a:t>
+            </a:r>
+          </a:p>
+          <a:p>
+            <a:pPr algn="just"/>
+            <a:r>
+              <a:rPr lang="ru-RU" sz="1600" i="1" dirty="0">
+                <a:latin typeface="Arial" panose="020B0604020202020204" pitchFamily="34" charset="0"/>
+                <a:cs typeface="Arial" panose="020B0604020202020204" pitchFamily="34" charset="0"/>
+              </a:rPr>
+              <a:t>Цель</a:t>
+            </a:r>
+            <a:r>
+              <a:rPr lang="ru-RU" sz="1600" dirty="0">
+                <a:latin typeface="Arial" panose="020B0604020202020204" pitchFamily="34" charset="0"/>
+                <a:cs typeface="Arial" panose="020B0604020202020204" pitchFamily="34" charset="0"/>
+              </a:rPr>
+              <a:t> - создание прогнозирующих моделей входных сигналов и их классификация.</a:t>
+            </a:r>
+            <a:endParaRPr lang="en-US" sz="1600" dirty="0">
+              <a:latin typeface="Arial" panose="020B0604020202020204" pitchFamily="34" charset="0"/>
+              <a:cs typeface="Arial" panose="020B0604020202020204" pitchFamily="34" charset="0"/>
             </a:endParaRPr>
           </a:p>
         </p:txBody>
@@ -10098,7 +10151,7 @@
     </p:spTree>
     <p:extLst>
       <p:ext uri="{BB962C8B-B14F-4D97-AF65-F5344CB8AC3E}">
-        <p14:creationId xmlns:p14="http://schemas.microsoft.com/office/powerpoint/2010/main" val="2672089791"/>
+        <p14:creationId xmlns:p14="http://schemas.microsoft.com/office/powerpoint/2010/main" val="3738495040"/>
       </p:ext>
     </p:extLst>
   </p:cSld>
@@ -10328,7 +10381,7 @@
                 <a:latin typeface="Trebuchet MS"/>
                 <a:ea typeface="+mn-ea"/>
               </a:rPr>
-              <a:t>ЗАДАЧИ НА ХАКАТОН</a:t>
+              <a:t>ОБЩАЯ ИДЕЯ ПРОЕКТА</a:t>
             </a:r>
             <a:endParaRPr kumimoji="0" lang="en-US" sz="2400" b="0" i="0" u="none" strike="noStrike" kern="1200" cap="none" spc="0" normalizeH="0" baseline="0" noProof="0" dirty="0">
               <a:ln>
@@ -10348,7 +10401,1176 @@
       </p:sp>
       <p:sp>
         <p:nvSpPr>
-          <p:cNvPr id="7" name="Content Placeholder 5"/>
+          <p:cNvPr id="8" name="Content Placeholder 2"/>
+          <p:cNvSpPr>
+            <a:spLocks noGrp="1"/>
+          </p:cNvSpPr>
+          <p:nvPr>
+            <p:ph idx="1"/>
+          </p:nvPr>
+        </p:nvSpPr>
+        <p:spPr>
+          <a:xfrm>
+            <a:off x="625188" y="854439"/>
+            <a:ext cx="10973254" cy="5322524"/>
+          </a:xfrm>
+        </p:spPr>
+        <p:txBody>
+          <a:bodyPr>
+            <a:normAutofit/>
+          </a:bodyPr>
+          <a:lstStyle/>
+          <a:p>
+            <a:endParaRPr lang="en-US" sz="1600" dirty="0">
+              <a:latin typeface="Arial" panose="020B0604020202020204" pitchFamily="34" charset="0"/>
+              <a:cs typeface="Arial" panose="020B0604020202020204" pitchFamily="34" charset="0"/>
+            </a:endParaRPr>
+          </a:p>
+          <a:p>
+            <a:r>
+              <a:rPr lang="ru-RU" sz="1600" dirty="0">
+                <a:latin typeface="Arial" panose="020B0604020202020204" pitchFamily="34" charset="0"/>
+                <a:cs typeface="Arial" panose="020B0604020202020204" pitchFamily="34" charset="0"/>
+              </a:rPr>
+              <a:t>Связь с системами классификации речевых сигналов</a:t>
+            </a:r>
+            <a:r>
+              <a:rPr lang="en-US" sz="1600" dirty="0">
+                <a:latin typeface="Arial" panose="020B0604020202020204" pitchFamily="34" charset="0"/>
+                <a:cs typeface="Arial" panose="020B0604020202020204" pitchFamily="34" charset="0"/>
+              </a:rPr>
+              <a:t>:</a:t>
+            </a:r>
+            <a:endParaRPr lang="ru-RU" sz="1600" dirty="0">
+              <a:latin typeface="Arial" panose="020B0604020202020204" pitchFamily="34" charset="0"/>
+              <a:cs typeface="Arial" panose="020B0604020202020204" pitchFamily="34" charset="0"/>
+            </a:endParaRPr>
+          </a:p>
+        </p:txBody>
+      </p:sp>
+      <p:sp>
+        <p:nvSpPr>
+          <p:cNvPr id="25" name="Скругленный прямоугольник 24"/>
+          <p:cNvSpPr/>
+          <p:nvPr/>
+        </p:nvSpPr>
+        <p:spPr>
+          <a:xfrm>
+            <a:off x="3263457" y="1800133"/>
+            <a:ext cx="2463800" cy="630766"/>
+          </a:xfrm>
+          <a:prstGeom prst="roundRect">
+            <a:avLst/>
+          </a:prstGeom>
+          <a:ln>
+            <a:solidFill>
+              <a:schemeClr val="accent2">
+                <a:lumMod val="50000"/>
+              </a:schemeClr>
+            </a:solidFill>
+          </a:ln>
+        </p:spPr>
+        <p:style>
+          <a:lnRef idx="2">
+            <a:schemeClr val="accent2"/>
+          </a:lnRef>
+          <a:fillRef idx="1">
+            <a:schemeClr val="lt1"/>
+          </a:fillRef>
+          <a:effectRef idx="0">
+            <a:schemeClr val="accent2"/>
+          </a:effectRef>
+          <a:fontRef idx="minor">
+            <a:schemeClr val="dk1"/>
+          </a:fontRef>
+        </p:style>
+        <p:txBody>
+          <a:bodyPr rtlCol="0" anchor="ctr"/>
+          <a:lstStyle/>
+          <a:p>
+            <a:pPr algn="ctr"/>
+            <a:r>
+              <a:rPr lang="ru-RU" sz="1400" dirty="0">
+                <a:solidFill>
+                  <a:schemeClr val="tx1"/>
+                </a:solidFill>
+                <a:latin typeface="Arial" panose="020B0604020202020204" pitchFamily="34" charset="0"/>
+                <a:ea typeface="Cambria Math" panose="02040503050406030204" pitchFamily="18" charset="0"/>
+                <a:cs typeface="Arial" panose="020B0604020202020204" pitchFamily="34" charset="0"/>
+              </a:rPr>
+              <a:t>Речевой сигнал</a:t>
+            </a:r>
+            <a:endParaRPr lang="ru-RU" sz="1400" dirty="0">
+              <a:solidFill>
+                <a:schemeClr val="tx1"/>
+              </a:solidFill>
+              <a:latin typeface="Arial" panose="020B0604020202020204" pitchFamily="34" charset="0"/>
+              <a:cs typeface="Arial" panose="020B0604020202020204" pitchFamily="34" charset="0"/>
+            </a:endParaRPr>
+          </a:p>
+        </p:txBody>
+      </p:sp>
+      <p:sp>
+        <p:nvSpPr>
+          <p:cNvPr id="27" name="Скругленный прямоугольник 26"/>
+          <p:cNvSpPr/>
+          <p:nvPr/>
+        </p:nvSpPr>
+        <p:spPr>
+          <a:xfrm>
+            <a:off x="3263453" y="2641787"/>
+            <a:ext cx="2463800" cy="630766"/>
+          </a:xfrm>
+          <a:prstGeom prst="roundRect">
+            <a:avLst/>
+          </a:prstGeom>
+        </p:spPr>
+        <p:style>
+          <a:lnRef idx="2">
+            <a:schemeClr val="accent2"/>
+          </a:lnRef>
+          <a:fillRef idx="1">
+            <a:schemeClr val="lt1"/>
+          </a:fillRef>
+          <a:effectRef idx="0">
+            <a:schemeClr val="accent2"/>
+          </a:effectRef>
+          <a:fontRef idx="minor">
+            <a:schemeClr val="dk1"/>
+          </a:fontRef>
+        </p:style>
+        <p:txBody>
+          <a:bodyPr rtlCol="0" anchor="ctr"/>
+          <a:lstStyle/>
+          <a:p>
+            <a:pPr algn="ctr"/>
+            <a:r>
+              <a:rPr lang="ru-RU" sz="1400" dirty="0">
+                <a:latin typeface="Arial" panose="020B0604020202020204" pitchFamily="34" charset="0"/>
+                <a:ea typeface="Cambria Math" panose="02040503050406030204" pitchFamily="18" charset="0"/>
+                <a:cs typeface="Arial" panose="020B0604020202020204" pitchFamily="34" charset="0"/>
+              </a:rPr>
+              <a:t>Предобработка</a:t>
+            </a:r>
+            <a:endParaRPr lang="ru-RU" sz="1400" dirty="0">
+              <a:latin typeface="Arial" panose="020B0604020202020204" pitchFamily="34" charset="0"/>
+              <a:cs typeface="Arial" panose="020B0604020202020204" pitchFamily="34" charset="0"/>
+            </a:endParaRPr>
+          </a:p>
+        </p:txBody>
+      </p:sp>
+      <p:sp>
+        <p:nvSpPr>
+          <p:cNvPr id="28" name="Скругленный прямоугольник 27"/>
+          <p:cNvSpPr/>
+          <p:nvPr/>
+        </p:nvSpPr>
+        <p:spPr>
+          <a:xfrm>
+            <a:off x="3263453" y="3483441"/>
+            <a:ext cx="2463800" cy="630766"/>
+          </a:xfrm>
+          <a:prstGeom prst="roundRect">
+            <a:avLst/>
+          </a:prstGeom>
+        </p:spPr>
+        <p:style>
+          <a:lnRef idx="2">
+            <a:schemeClr val="accent2"/>
+          </a:lnRef>
+          <a:fillRef idx="1">
+            <a:schemeClr val="lt1"/>
+          </a:fillRef>
+          <a:effectRef idx="0">
+            <a:schemeClr val="accent2"/>
+          </a:effectRef>
+          <a:fontRef idx="minor">
+            <a:schemeClr val="dk1"/>
+          </a:fontRef>
+        </p:style>
+        <p:txBody>
+          <a:bodyPr rtlCol="0" anchor="ctr"/>
+          <a:lstStyle/>
+          <a:p>
+            <a:pPr algn="ctr"/>
+            <a:r>
+              <a:rPr lang="ru-RU" sz="1400" b="1" dirty="0">
+                <a:solidFill>
+                  <a:srgbClr val="FF0000"/>
+                </a:solidFill>
+                <a:latin typeface="Arial" panose="020B0604020202020204" pitchFamily="34" charset="0"/>
+                <a:ea typeface="Cambria Math" panose="02040503050406030204" pitchFamily="18" charset="0"/>
+                <a:cs typeface="Arial" panose="020B0604020202020204" pitchFamily="34" charset="0"/>
+              </a:rPr>
+              <a:t>Параметризация</a:t>
+            </a:r>
+            <a:endParaRPr lang="ru-RU" sz="1400" b="1" dirty="0">
+              <a:solidFill>
+                <a:srgbClr val="FF0000"/>
+              </a:solidFill>
+              <a:latin typeface="Arial" panose="020B0604020202020204" pitchFamily="34" charset="0"/>
+              <a:cs typeface="Arial" panose="020B0604020202020204" pitchFamily="34" charset="0"/>
+            </a:endParaRPr>
+          </a:p>
+        </p:txBody>
+      </p:sp>
+      <p:sp>
+        <p:nvSpPr>
+          <p:cNvPr id="29" name="Скругленный прямоугольник 28"/>
+          <p:cNvSpPr/>
+          <p:nvPr/>
+        </p:nvSpPr>
+        <p:spPr>
+          <a:xfrm>
+            <a:off x="3263457" y="4617644"/>
+            <a:ext cx="2463800" cy="630766"/>
+          </a:xfrm>
+          <a:prstGeom prst="roundRect">
+            <a:avLst/>
+          </a:prstGeom>
+        </p:spPr>
+        <p:style>
+          <a:lnRef idx="2">
+            <a:schemeClr val="accent2"/>
+          </a:lnRef>
+          <a:fillRef idx="1">
+            <a:schemeClr val="lt1"/>
+          </a:fillRef>
+          <a:effectRef idx="0">
+            <a:schemeClr val="accent2"/>
+          </a:effectRef>
+          <a:fontRef idx="minor">
+            <a:schemeClr val="dk1"/>
+          </a:fontRef>
+        </p:style>
+        <p:txBody>
+          <a:bodyPr rtlCol="0" anchor="ctr"/>
+          <a:lstStyle/>
+          <a:p>
+            <a:pPr algn="ctr"/>
+            <a:r>
+              <a:rPr lang="ru-RU" sz="1400" dirty="0">
+                <a:latin typeface="Arial" panose="020B0604020202020204" pitchFamily="34" charset="0"/>
+                <a:ea typeface="Cambria Math" panose="02040503050406030204" pitchFamily="18" charset="0"/>
+                <a:cs typeface="Arial" panose="020B0604020202020204" pitchFamily="34" charset="0"/>
+              </a:rPr>
+              <a:t>Нормализация</a:t>
+            </a:r>
+            <a:endParaRPr lang="ru-RU" sz="1400" dirty="0">
+              <a:latin typeface="Arial" panose="020B0604020202020204" pitchFamily="34" charset="0"/>
+              <a:cs typeface="Arial" panose="020B0604020202020204" pitchFamily="34" charset="0"/>
+            </a:endParaRPr>
+          </a:p>
+        </p:txBody>
+      </p:sp>
+      <p:sp>
+        <p:nvSpPr>
+          <p:cNvPr id="30" name="Скругленный прямоугольник 29"/>
+          <p:cNvSpPr/>
+          <p:nvPr/>
+        </p:nvSpPr>
+        <p:spPr>
+          <a:xfrm>
+            <a:off x="3263457" y="5459298"/>
+            <a:ext cx="2463800" cy="738302"/>
+          </a:xfrm>
+          <a:prstGeom prst="roundRect">
+            <a:avLst/>
+          </a:prstGeom>
+        </p:spPr>
+        <p:style>
+          <a:lnRef idx="2">
+            <a:schemeClr val="accent2"/>
+          </a:lnRef>
+          <a:fillRef idx="1">
+            <a:schemeClr val="lt1"/>
+          </a:fillRef>
+          <a:effectRef idx="0">
+            <a:schemeClr val="accent2"/>
+          </a:effectRef>
+          <a:fontRef idx="minor">
+            <a:schemeClr val="dk1"/>
+          </a:fontRef>
+        </p:style>
+        <p:txBody>
+          <a:bodyPr rtlCol="0" anchor="ctr"/>
+          <a:lstStyle/>
+          <a:p>
+            <a:pPr algn="ctr"/>
+            <a:r>
+              <a:rPr lang="ru-RU" sz="1400" dirty="0">
+                <a:latin typeface="Arial" panose="020B0604020202020204" pitchFamily="34" charset="0"/>
+                <a:ea typeface="Cambria Math" panose="02040503050406030204" pitchFamily="18" charset="0"/>
+                <a:cs typeface="Arial" panose="020B0604020202020204" pitchFamily="34" charset="0"/>
+              </a:rPr>
+              <a:t>Настройка прогнозирующей модели </a:t>
+            </a:r>
+            <a:r>
+              <a:rPr lang="ru-RU" sz="1400" b="1" dirty="0">
+                <a:solidFill>
+                  <a:srgbClr val="FF0000"/>
+                </a:solidFill>
+                <a:latin typeface="Arial" panose="020B0604020202020204" pitchFamily="34" charset="0"/>
+                <a:ea typeface="Cambria Math" panose="02040503050406030204" pitchFamily="18" charset="0"/>
+                <a:cs typeface="Arial" panose="020B0604020202020204" pitchFamily="34" charset="0"/>
+              </a:rPr>
+              <a:t>офлайн</a:t>
+            </a:r>
+            <a:endParaRPr lang="ru-RU" sz="1400" b="1" dirty="0">
+              <a:solidFill>
+                <a:srgbClr val="FF0000"/>
+              </a:solidFill>
+              <a:latin typeface="Arial" panose="020B0604020202020204" pitchFamily="34" charset="0"/>
+              <a:cs typeface="Arial" panose="020B0604020202020204" pitchFamily="34" charset="0"/>
+            </a:endParaRPr>
+          </a:p>
+        </p:txBody>
+      </p:sp>
+      <p:cxnSp>
+        <p:nvCxnSpPr>
+          <p:cNvPr id="31" name="Прямая со стрелкой 30"/>
+          <p:cNvCxnSpPr>
+            <a:stCxn id="25" idx="2"/>
+          </p:cNvCxnSpPr>
+          <p:nvPr/>
+        </p:nvCxnSpPr>
+        <p:spPr>
+          <a:xfrm>
+            <a:off x="4495357" y="2430899"/>
+            <a:ext cx="0" cy="210888"/>
+          </a:xfrm>
+          <a:prstGeom prst="straightConnector1">
+            <a:avLst/>
+          </a:prstGeom>
+          <a:ln>
+            <a:solidFill>
+              <a:schemeClr val="accent2">
+                <a:lumMod val="50000"/>
+              </a:schemeClr>
+            </a:solidFill>
+            <a:tailEnd type="triangle"/>
+          </a:ln>
+        </p:spPr>
+        <p:style>
+          <a:lnRef idx="2">
+            <a:schemeClr val="accent2"/>
+          </a:lnRef>
+          <a:fillRef idx="0">
+            <a:schemeClr val="accent2"/>
+          </a:fillRef>
+          <a:effectRef idx="1">
+            <a:schemeClr val="accent2"/>
+          </a:effectRef>
+          <a:fontRef idx="minor">
+            <a:schemeClr val="tx1"/>
+          </a:fontRef>
+        </p:style>
+      </p:cxnSp>
+      <p:cxnSp>
+        <p:nvCxnSpPr>
+          <p:cNvPr id="32" name="Прямая со стрелкой 31"/>
+          <p:cNvCxnSpPr/>
+          <p:nvPr/>
+        </p:nvCxnSpPr>
+        <p:spPr>
+          <a:xfrm>
+            <a:off x="4495353" y="3272553"/>
+            <a:ext cx="0" cy="210888"/>
+          </a:xfrm>
+          <a:prstGeom prst="straightConnector1">
+            <a:avLst/>
+          </a:prstGeom>
+          <a:ln>
+            <a:tailEnd type="triangle"/>
+          </a:ln>
+        </p:spPr>
+        <p:style>
+          <a:lnRef idx="2">
+            <a:schemeClr val="accent2"/>
+          </a:lnRef>
+          <a:fillRef idx="0">
+            <a:schemeClr val="accent2"/>
+          </a:fillRef>
+          <a:effectRef idx="1">
+            <a:schemeClr val="accent2"/>
+          </a:effectRef>
+          <a:fontRef idx="minor">
+            <a:schemeClr val="tx1"/>
+          </a:fontRef>
+        </p:style>
+      </p:cxnSp>
+      <p:cxnSp>
+        <p:nvCxnSpPr>
+          <p:cNvPr id="35" name="Прямая со стрелкой 34"/>
+          <p:cNvCxnSpPr>
+            <a:stCxn id="28" idx="2"/>
+          </p:cNvCxnSpPr>
+          <p:nvPr/>
+        </p:nvCxnSpPr>
+        <p:spPr>
+          <a:xfrm>
+            <a:off x="4495353" y="4114207"/>
+            <a:ext cx="4" cy="503437"/>
+          </a:xfrm>
+          <a:prstGeom prst="straightConnector1">
+            <a:avLst/>
+          </a:prstGeom>
+          <a:ln>
+            <a:tailEnd type="triangle"/>
+          </a:ln>
+        </p:spPr>
+        <p:style>
+          <a:lnRef idx="2">
+            <a:schemeClr val="accent2"/>
+          </a:lnRef>
+          <a:fillRef idx="0">
+            <a:schemeClr val="accent2"/>
+          </a:fillRef>
+          <a:effectRef idx="1">
+            <a:schemeClr val="accent2"/>
+          </a:effectRef>
+          <a:fontRef idx="minor">
+            <a:schemeClr val="tx1"/>
+          </a:fontRef>
+        </p:style>
+      </p:cxnSp>
+      <p:cxnSp>
+        <p:nvCxnSpPr>
+          <p:cNvPr id="37" name="Прямая со стрелкой 36"/>
+          <p:cNvCxnSpPr/>
+          <p:nvPr/>
+        </p:nvCxnSpPr>
+        <p:spPr>
+          <a:xfrm>
+            <a:off x="4500110" y="5248410"/>
+            <a:ext cx="0" cy="210888"/>
+          </a:xfrm>
+          <a:prstGeom prst="straightConnector1">
+            <a:avLst/>
+          </a:prstGeom>
+          <a:ln>
+            <a:tailEnd type="triangle"/>
+          </a:ln>
+        </p:spPr>
+        <p:style>
+          <a:lnRef idx="2">
+            <a:schemeClr val="accent2"/>
+          </a:lnRef>
+          <a:fillRef idx="0">
+            <a:schemeClr val="accent2"/>
+          </a:fillRef>
+          <a:effectRef idx="1">
+            <a:schemeClr val="accent2"/>
+          </a:effectRef>
+          <a:fontRef idx="minor">
+            <a:schemeClr val="tx1"/>
+          </a:fontRef>
+        </p:style>
+      </p:cxnSp>
+      <p:sp>
+        <p:nvSpPr>
+          <p:cNvPr id="38" name="Правая фигурная скобка 37"/>
+          <p:cNvSpPr/>
+          <p:nvPr/>
+        </p:nvSpPr>
+        <p:spPr>
+          <a:xfrm rot="10800000">
+            <a:off x="3006271" y="2537747"/>
+            <a:ext cx="257184" cy="2710663"/>
+          </a:xfrm>
+          <a:prstGeom prst="rightBrace">
+            <a:avLst>
+              <a:gd name="adj1" fmla="val 8333"/>
+              <a:gd name="adj2" fmla="val 51610"/>
+            </a:avLst>
+          </a:prstGeom>
+        </p:spPr>
+        <p:style>
+          <a:lnRef idx="2">
+            <a:schemeClr val="dk1"/>
+          </a:lnRef>
+          <a:fillRef idx="0">
+            <a:schemeClr val="dk1"/>
+          </a:fillRef>
+          <a:effectRef idx="1">
+            <a:schemeClr val="dk1"/>
+          </a:effectRef>
+          <a:fontRef idx="minor">
+            <a:schemeClr val="tx1"/>
+          </a:fontRef>
+        </p:style>
+        <p:txBody>
+          <a:bodyPr rtlCol="0" anchor="ctr"/>
+          <a:lstStyle/>
+          <a:p>
+            <a:pPr algn="ctr"/>
+            <a:endParaRPr lang="ru-RU" sz="1400">
+              <a:latin typeface="Arial" panose="020B0604020202020204" pitchFamily="34" charset="0"/>
+              <a:cs typeface="Arial" panose="020B0604020202020204" pitchFamily="34" charset="0"/>
+            </a:endParaRPr>
+          </a:p>
+        </p:txBody>
+      </p:sp>
+      <p:sp>
+        <p:nvSpPr>
+          <p:cNvPr id="39" name="Правая фигурная скобка 38"/>
+          <p:cNvSpPr/>
+          <p:nvPr/>
+        </p:nvSpPr>
+        <p:spPr>
+          <a:xfrm rot="10800000">
+            <a:off x="3006269" y="5459298"/>
+            <a:ext cx="257184" cy="738302"/>
+          </a:xfrm>
+          <a:prstGeom prst="rightBrace">
+            <a:avLst>
+              <a:gd name="adj1" fmla="val 8333"/>
+              <a:gd name="adj2" fmla="val 51610"/>
+            </a:avLst>
+          </a:prstGeom>
+        </p:spPr>
+        <p:style>
+          <a:lnRef idx="2">
+            <a:schemeClr val="dk1"/>
+          </a:lnRef>
+          <a:fillRef idx="0">
+            <a:schemeClr val="dk1"/>
+          </a:fillRef>
+          <a:effectRef idx="1">
+            <a:schemeClr val="dk1"/>
+          </a:effectRef>
+          <a:fontRef idx="minor">
+            <a:schemeClr val="tx1"/>
+          </a:fontRef>
+        </p:style>
+        <p:txBody>
+          <a:bodyPr rtlCol="0" anchor="ctr"/>
+          <a:lstStyle/>
+          <a:p>
+            <a:pPr algn="ctr"/>
+            <a:endParaRPr lang="ru-RU" sz="1400">
+              <a:latin typeface="Arial" panose="020B0604020202020204" pitchFamily="34" charset="0"/>
+              <a:cs typeface="Arial" panose="020B0604020202020204" pitchFamily="34" charset="0"/>
+            </a:endParaRPr>
+          </a:p>
+        </p:txBody>
+      </p:sp>
+      <p:sp>
+        <p:nvSpPr>
+          <p:cNvPr id="40" name="TextBox 39"/>
+          <p:cNvSpPr txBox="1"/>
+          <p:nvPr/>
+        </p:nvSpPr>
+        <p:spPr>
+          <a:xfrm rot="16200000">
+            <a:off x="1961785" y="3937484"/>
+            <a:ext cx="1231171" cy="307777"/>
+          </a:xfrm>
+          <a:prstGeom prst="rect">
+            <a:avLst/>
+          </a:prstGeom>
+          <a:noFill/>
+        </p:spPr>
+        <p:txBody>
+          <a:bodyPr wrap="none" rtlCol="0">
+            <a:spAutoFit/>
+          </a:bodyPr>
+          <a:lstStyle/>
+          <a:p>
+            <a:r>
+              <a:rPr lang="en-US" sz="1400" dirty="0">
+                <a:latin typeface="Arial" panose="020B0604020202020204" pitchFamily="34" charset="0"/>
+                <a:ea typeface="Cambria Math" panose="02040503050406030204" pitchFamily="18" charset="0"/>
+                <a:cs typeface="Arial" panose="020B0604020202020204" pitchFamily="34" charset="0"/>
+              </a:rPr>
+              <a:t>FRONT-END</a:t>
+            </a:r>
+            <a:endParaRPr lang="ru-RU" sz="1400" dirty="0">
+              <a:latin typeface="Arial" panose="020B0604020202020204" pitchFamily="34" charset="0"/>
+              <a:ea typeface="Cambria Math" panose="02040503050406030204" pitchFamily="18" charset="0"/>
+              <a:cs typeface="Arial" panose="020B0604020202020204" pitchFamily="34" charset="0"/>
+            </a:endParaRPr>
+          </a:p>
+        </p:txBody>
+      </p:sp>
+      <p:sp>
+        <p:nvSpPr>
+          <p:cNvPr id="81" name="TextBox 80"/>
+          <p:cNvSpPr txBox="1"/>
+          <p:nvPr/>
+        </p:nvSpPr>
+        <p:spPr>
+          <a:xfrm rot="16200000">
+            <a:off x="2019899" y="5620793"/>
+            <a:ext cx="1114408" cy="307777"/>
+          </a:xfrm>
+          <a:prstGeom prst="rect">
+            <a:avLst/>
+          </a:prstGeom>
+          <a:noFill/>
+        </p:spPr>
+        <p:txBody>
+          <a:bodyPr wrap="none" rtlCol="0">
+            <a:spAutoFit/>
+          </a:bodyPr>
+          <a:lstStyle/>
+          <a:p>
+            <a:r>
+              <a:rPr lang="en-US" sz="1400" dirty="0">
+                <a:latin typeface="Arial" panose="020B0604020202020204" pitchFamily="34" charset="0"/>
+                <a:ea typeface="Cambria Math" panose="02040503050406030204" pitchFamily="18" charset="0"/>
+                <a:cs typeface="Arial" panose="020B0604020202020204" pitchFamily="34" charset="0"/>
+              </a:rPr>
+              <a:t>BACK-END</a:t>
+            </a:r>
+            <a:endParaRPr lang="ru-RU" sz="1400" dirty="0">
+              <a:latin typeface="Arial" panose="020B0604020202020204" pitchFamily="34" charset="0"/>
+              <a:ea typeface="Cambria Math" panose="02040503050406030204" pitchFamily="18" charset="0"/>
+              <a:cs typeface="Arial" panose="020B0604020202020204" pitchFamily="34" charset="0"/>
+            </a:endParaRPr>
+          </a:p>
+        </p:txBody>
+      </p:sp>
+      <p:sp>
+        <p:nvSpPr>
+          <p:cNvPr id="82" name="Скругленный прямоугольник 81"/>
+          <p:cNvSpPr/>
+          <p:nvPr/>
+        </p:nvSpPr>
+        <p:spPr>
+          <a:xfrm>
+            <a:off x="6484777" y="1800133"/>
+            <a:ext cx="2463800" cy="630766"/>
+          </a:xfrm>
+          <a:prstGeom prst="roundRect">
+            <a:avLst/>
+          </a:prstGeom>
+          <a:ln>
+            <a:solidFill>
+              <a:schemeClr val="accent2">
+                <a:lumMod val="50000"/>
+              </a:schemeClr>
+            </a:solidFill>
+          </a:ln>
+        </p:spPr>
+        <p:style>
+          <a:lnRef idx="2">
+            <a:schemeClr val="accent2"/>
+          </a:lnRef>
+          <a:fillRef idx="1">
+            <a:schemeClr val="lt1"/>
+          </a:fillRef>
+          <a:effectRef idx="0">
+            <a:schemeClr val="accent2"/>
+          </a:effectRef>
+          <a:fontRef idx="minor">
+            <a:schemeClr val="dk1"/>
+          </a:fontRef>
+        </p:style>
+        <p:txBody>
+          <a:bodyPr rtlCol="0" anchor="ctr"/>
+          <a:lstStyle/>
+          <a:p>
+            <a:pPr algn="ctr"/>
+            <a:r>
+              <a:rPr lang="ru-RU" sz="1400" dirty="0">
+                <a:solidFill>
+                  <a:schemeClr val="tx1"/>
+                </a:solidFill>
+                <a:latin typeface="Arial" panose="020B0604020202020204" pitchFamily="34" charset="0"/>
+                <a:ea typeface="Cambria Math" panose="02040503050406030204" pitchFamily="18" charset="0"/>
+                <a:cs typeface="Arial" panose="020B0604020202020204" pitchFamily="34" charset="0"/>
+              </a:rPr>
+              <a:t>Речевой сигнал</a:t>
+            </a:r>
+            <a:endParaRPr lang="ru-RU" sz="1400" dirty="0">
+              <a:solidFill>
+                <a:schemeClr val="tx1"/>
+              </a:solidFill>
+              <a:latin typeface="Arial" panose="020B0604020202020204" pitchFamily="34" charset="0"/>
+              <a:cs typeface="Arial" panose="020B0604020202020204" pitchFamily="34" charset="0"/>
+            </a:endParaRPr>
+          </a:p>
+        </p:txBody>
+      </p:sp>
+      <p:sp>
+        <p:nvSpPr>
+          <p:cNvPr id="83" name="Скругленный прямоугольник 82"/>
+          <p:cNvSpPr/>
+          <p:nvPr/>
+        </p:nvSpPr>
+        <p:spPr>
+          <a:xfrm>
+            <a:off x="6484773" y="2641787"/>
+            <a:ext cx="2463800" cy="630766"/>
+          </a:xfrm>
+          <a:prstGeom prst="roundRect">
+            <a:avLst/>
+          </a:prstGeom>
+        </p:spPr>
+        <p:style>
+          <a:lnRef idx="2">
+            <a:schemeClr val="accent2"/>
+          </a:lnRef>
+          <a:fillRef idx="1">
+            <a:schemeClr val="lt1"/>
+          </a:fillRef>
+          <a:effectRef idx="0">
+            <a:schemeClr val="accent2"/>
+          </a:effectRef>
+          <a:fontRef idx="minor">
+            <a:schemeClr val="dk1"/>
+          </a:fontRef>
+        </p:style>
+        <p:txBody>
+          <a:bodyPr rtlCol="0" anchor="ctr"/>
+          <a:lstStyle/>
+          <a:p>
+            <a:pPr algn="ctr"/>
+            <a:r>
+              <a:rPr lang="ru-RU" sz="1400" dirty="0">
+                <a:latin typeface="Arial" panose="020B0604020202020204" pitchFamily="34" charset="0"/>
+                <a:ea typeface="Cambria Math" panose="02040503050406030204" pitchFamily="18" charset="0"/>
+                <a:cs typeface="Arial" panose="020B0604020202020204" pitchFamily="34" charset="0"/>
+              </a:rPr>
+              <a:t>Предобработка</a:t>
+            </a:r>
+            <a:endParaRPr lang="ru-RU" sz="1400" dirty="0">
+              <a:latin typeface="Arial" panose="020B0604020202020204" pitchFamily="34" charset="0"/>
+              <a:cs typeface="Arial" panose="020B0604020202020204" pitchFamily="34" charset="0"/>
+            </a:endParaRPr>
+          </a:p>
+        </p:txBody>
+      </p:sp>
+      <p:sp>
+        <p:nvSpPr>
+          <p:cNvPr id="84" name="Скругленный прямоугольник 83"/>
+          <p:cNvSpPr/>
+          <p:nvPr/>
+        </p:nvSpPr>
+        <p:spPr>
+          <a:xfrm>
+            <a:off x="6484773" y="3483441"/>
+            <a:ext cx="2463800" cy="630766"/>
+          </a:xfrm>
+          <a:prstGeom prst="roundRect">
+            <a:avLst/>
+          </a:prstGeom>
+        </p:spPr>
+        <p:style>
+          <a:lnRef idx="2">
+            <a:schemeClr val="accent2"/>
+          </a:lnRef>
+          <a:fillRef idx="1">
+            <a:schemeClr val="lt1"/>
+          </a:fillRef>
+          <a:effectRef idx="0">
+            <a:schemeClr val="accent2"/>
+          </a:effectRef>
+          <a:fontRef idx="minor">
+            <a:schemeClr val="dk1"/>
+          </a:fontRef>
+        </p:style>
+        <p:txBody>
+          <a:bodyPr rtlCol="0" anchor="ctr"/>
+          <a:lstStyle/>
+          <a:p>
+            <a:pPr algn="ctr"/>
+            <a:r>
+              <a:rPr lang="ru-RU" sz="1400" b="1" dirty="0">
+                <a:solidFill>
+                  <a:srgbClr val="FF0000"/>
+                </a:solidFill>
+                <a:latin typeface="Arial" panose="020B0604020202020204" pitchFamily="34" charset="0"/>
+                <a:ea typeface="Cambria Math" panose="02040503050406030204" pitchFamily="18" charset="0"/>
+                <a:cs typeface="Arial" panose="020B0604020202020204" pitchFamily="34" charset="0"/>
+              </a:rPr>
+              <a:t>Моделирование реакции слухового нерва</a:t>
+            </a:r>
+            <a:endParaRPr lang="ru-RU" sz="1400" b="1" dirty="0">
+              <a:solidFill>
+                <a:srgbClr val="FF0000"/>
+              </a:solidFill>
+              <a:latin typeface="Arial" panose="020B0604020202020204" pitchFamily="34" charset="0"/>
+              <a:cs typeface="Arial" panose="020B0604020202020204" pitchFamily="34" charset="0"/>
+            </a:endParaRPr>
+          </a:p>
+        </p:txBody>
+      </p:sp>
+      <p:sp>
+        <p:nvSpPr>
+          <p:cNvPr id="85" name="Скругленный прямоугольник 84"/>
+          <p:cNvSpPr/>
+          <p:nvPr/>
+        </p:nvSpPr>
+        <p:spPr>
+          <a:xfrm>
+            <a:off x="6484777" y="4617644"/>
+            <a:ext cx="2463800" cy="630766"/>
+          </a:xfrm>
+          <a:prstGeom prst="roundRect">
+            <a:avLst/>
+          </a:prstGeom>
+        </p:spPr>
+        <p:style>
+          <a:lnRef idx="2">
+            <a:schemeClr val="accent2"/>
+          </a:lnRef>
+          <a:fillRef idx="1">
+            <a:schemeClr val="lt1"/>
+          </a:fillRef>
+          <a:effectRef idx="0">
+            <a:schemeClr val="accent2"/>
+          </a:effectRef>
+          <a:fontRef idx="minor">
+            <a:schemeClr val="dk1"/>
+          </a:fontRef>
+        </p:style>
+        <p:txBody>
+          <a:bodyPr rtlCol="0" anchor="ctr"/>
+          <a:lstStyle/>
+          <a:p>
+            <a:pPr algn="ctr"/>
+            <a:r>
+              <a:rPr lang="ru-RU" sz="1400" dirty="0">
+                <a:latin typeface="Arial" panose="020B0604020202020204" pitchFamily="34" charset="0"/>
+                <a:ea typeface="Cambria Math" panose="02040503050406030204" pitchFamily="18" charset="0"/>
+                <a:cs typeface="Arial" panose="020B0604020202020204" pitchFamily="34" charset="0"/>
+              </a:rPr>
+              <a:t>Нормализация</a:t>
+            </a:r>
+            <a:endParaRPr lang="ru-RU" sz="1400" dirty="0">
+              <a:latin typeface="Arial" panose="020B0604020202020204" pitchFamily="34" charset="0"/>
+              <a:cs typeface="Arial" panose="020B0604020202020204" pitchFamily="34" charset="0"/>
+            </a:endParaRPr>
+          </a:p>
+        </p:txBody>
+      </p:sp>
+      <p:sp>
+        <p:nvSpPr>
+          <p:cNvPr id="86" name="Скругленный прямоугольник 85"/>
+          <p:cNvSpPr/>
+          <p:nvPr/>
+        </p:nvSpPr>
+        <p:spPr>
+          <a:xfrm>
+            <a:off x="6484777" y="5459298"/>
+            <a:ext cx="2463800" cy="738302"/>
+          </a:xfrm>
+          <a:prstGeom prst="roundRect">
+            <a:avLst/>
+          </a:prstGeom>
+        </p:spPr>
+        <p:style>
+          <a:lnRef idx="2">
+            <a:schemeClr val="accent2"/>
+          </a:lnRef>
+          <a:fillRef idx="1">
+            <a:schemeClr val="lt1"/>
+          </a:fillRef>
+          <a:effectRef idx="0">
+            <a:schemeClr val="accent2"/>
+          </a:effectRef>
+          <a:fontRef idx="minor">
+            <a:schemeClr val="dk1"/>
+          </a:fontRef>
+        </p:style>
+        <p:txBody>
+          <a:bodyPr rtlCol="0" anchor="ctr"/>
+          <a:lstStyle/>
+          <a:p>
+            <a:pPr algn="ctr"/>
+            <a:r>
+              <a:rPr lang="ru-RU" sz="1400" dirty="0">
+                <a:latin typeface="Arial" panose="020B0604020202020204" pitchFamily="34" charset="0"/>
+                <a:ea typeface="Cambria Math" panose="02040503050406030204" pitchFamily="18" charset="0"/>
+                <a:cs typeface="Arial" panose="020B0604020202020204" pitchFamily="34" charset="0"/>
+              </a:rPr>
+              <a:t>Настройка прогнозирующей модели </a:t>
+            </a:r>
+            <a:r>
+              <a:rPr lang="ru-RU" sz="1400" b="1" dirty="0">
+                <a:solidFill>
+                  <a:srgbClr val="FF0000"/>
+                </a:solidFill>
+                <a:latin typeface="Arial" panose="020B0604020202020204" pitchFamily="34" charset="0"/>
+                <a:ea typeface="Cambria Math" panose="02040503050406030204" pitchFamily="18" charset="0"/>
+                <a:cs typeface="Arial" panose="020B0604020202020204" pitchFamily="34" charset="0"/>
+              </a:rPr>
+              <a:t>онлайн</a:t>
+            </a:r>
+            <a:endParaRPr lang="ru-RU" sz="1400" b="1" dirty="0">
+              <a:solidFill>
+                <a:srgbClr val="FF0000"/>
+              </a:solidFill>
+              <a:latin typeface="Arial" panose="020B0604020202020204" pitchFamily="34" charset="0"/>
+              <a:cs typeface="Arial" panose="020B0604020202020204" pitchFamily="34" charset="0"/>
+            </a:endParaRPr>
+          </a:p>
+        </p:txBody>
+      </p:sp>
+      <p:cxnSp>
+        <p:nvCxnSpPr>
+          <p:cNvPr id="87" name="Прямая со стрелкой 86"/>
+          <p:cNvCxnSpPr>
+            <a:stCxn id="82" idx="2"/>
+          </p:cNvCxnSpPr>
+          <p:nvPr/>
+        </p:nvCxnSpPr>
+        <p:spPr>
+          <a:xfrm>
+            <a:off x="7716677" y="2430899"/>
+            <a:ext cx="0" cy="210888"/>
+          </a:xfrm>
+          <a:prstGeom prst="straightConnector1">
+            <a:avLst/>
+          </a:prstGeom>
+          <a:ln>
+            <a:solidFill>
+              <a:schemeClr val="accent2">
+                <a:lumMod val="50000"/>
+              </a:schemeClr>
+            </a:solidFill>
+            <a:tailEnd type="triangle"/>
+          </a:ln>
+        </p:spPr>
+        <p:style>
+          <a:lnRef idx="2">
+            <a:schemeClr val="accent2"/>
+          </a:lnRef>
+          <a:fillRef idx="0">
+            <a:schemeClr val="accent2"/>
+          </a:fillRef>
+          <a:effectRef idx="1">
+            <a:schemeClr val="accent2"/>
+          </a:effectRef>
+          <a:fontRef idx="minor">
+            <a:schemeClr val="tx1"/>
+          </a:fontRef>
+        </p:style>
+      </p:cxnSp>
+      <p:cxnSp>
+        <p:nvCxnSpPr>
+          <p:cNvPr id="88" name="Прямая со стрелкой 87"/>
+          <p:cNvCxnSpPr/>
+          <p:nvPr/>
+        </p:nvCxnSpPr>
+        <p:spPr>
+          <a:xfrm>
+            <a:off x="7716673" y="3272553"/>
+            <a:ext cx="0" cy="210888"/>
+          </a:xfrm>
+          <a:prstGeom prst="straightConnector1">
+            <a:avLst/>
+          </a:prstGeom>
+          <a:ln>
+            <a:tailEnd type="triangle"/>
+          </a:ln>
+        </p:spPr>
+        <p:style>
+          <a:lnRef idx="2">
+            <a:schemeClr val="accent2"/>
+          </a:lnRef>
+          <a:fillRef idx="0">
+            <a:schemeClr val="accent2"/>
+          </a:fillRef>
+          <a:effectRef idx="1">
+            <a:schemeClr val="accent2"/>
+          </a:effectRef>
+          <a:fontRef idx="minor">
+            <a:schemeClr val="tx1"/>
+          </a:fontRef>
+        </p:style>
+      </p:cxnSp>
+      <p:cxnSp>
+        <p:nvCxnSpPr>
+          <p:cNvPr id="89" name="Прямая со стрелкой 88"/>
+          <p:cNvCxnSpPr>
+            <a:stCxn id="84" idx="2"/>
+          </p:cNvCxnSpPr>
+          <p:nvPr/>
+        </p:nvCxnSpPr>
+        <p:spPr>
+          <a:xfrm>
+            <a:off x="7716673" y="4114207"/>
+            <a:ext cx="4" cy="503437"/>
+          </a:xfrm>
+          <a:prstGeom prst="straightConnector1">
+            <a:avLst/>
+          </a:prstGeom>
+          <a:ln>
+            <a:tailEnd type="triangle"/>
+          </a:ln>
+        </p:spPr>
+        <p:style>
+          <a:lnRef idx="2">
+            <a:schemeClr val="accent2"/>
+          </a:lnRef>
+          <a:fillRef idx="0">
+            <a:schemeClr val="accent2"/>
+          </a:fillRef>
+          <a:effectRef idx="1">
+            <a:schemeClr val="accent2"/>
+          </a:effectRef>
+          <a:fontRef idx="minor">
+            <a:schemeClr val="tx1"/>
+          </a:fontRef>
+        </p:style>
+      </p:cxnSp>
+      <p:cxnSp>
+        <p:nvCxnSpPr>
+          <p:cNvPr id="90" name="Прямая со стрелкой 89"/>
+          <p:cNvCxnSpPr/>
+          <p:nvPr/>
+        </p:nvCxnSpPr>
+        <p:spPr>
+          <a:xfrm>
+            <a:off x="7721430" y="5248410"/>
+            <a:ext cx="0" cy="210888"/>
+          </a:xfrm>
+          <a:prstGeom prst="straightConnector1">
+            <a:avLst/>
+          </a:prstGeom>
+          <a:ln>
+            <a:tailEnd type="triangle"/>
+          </a:ln>
+        </p:spPr>
+        <p:style>
+          <a:lnRef idx="2">
+            <a:schemeClr val="accent2"/>
+          </a:lnRef>
+          <a:fillRef idx="0">
+            <a:schemeClr val="accent2"/>
+          </a:fillRef>
+          <a:effectRef idx="1">
+            <a:schemeClr val="accent2"/>
+          </a:effectRef>
+          <a:fontRef idx="minor">
+            <a:schemeClr val="tx1"/>
+          </a:fontRef>
+        </p:style>
+      </p:cxnSp>
+      <p:sp>
+        <p:nvSpPr>
+          <p:cNvPr id="95" name="TextBox 94"/>
+          <p:cNvSpPr txBox="1"/>
+          <p:nvPr/>
+        </p:nvSpPr>
+        <p:spPr>
+          <a:xfrm>
+            <a:off x="4495353" y="4104315"/>
+            <a:ext cx="1676847" cy="523220"/>
+          </a:xfrm>
+          <a:prstGeom prst="rect">
+            <a:avLst/>
+          </a:prstGeom>
+          <a:noFill/>
+        </p:spPr>
+        <p:txBody>
+          <a:bodyPr wrap="square" rtlCol="0">
+            <a:spAutoFit/>
+          </a:bodyPr>
+          <a:lstStyle/>
+          <a:p>
+            <a:r>
+              <a:rPr lang="ru-RU" sz="1400" dirty="0">
+                <a:solidFill>
+                  <a:schemeClr val="accent2"/>
+                </a:solidFill>
+                <a:latin typeface="Arial" panose="020B0604020202020204" pitchFamily="34" charset="0"/>
+                <a:cs typeface="Arial" panose="020B0604020202020204" pitchFamily="34" charset="0"/>
+              </a:rPr>
+              <a:t>Акустические признаки</a:t>
+            </a:r>
+          </a:p>
+        </p:txBody>
+      </p:sp>
+      <p:sp>
+        <p:nvSpPr>
+          <p:cNvPr id="96" name="TextBox 95"/>
+          <p:cNvSpPr txBox="1"/>
+          <p:nvPr/>
+        </p:nvSpPr>
+        <p:spPr>
+          <a:xfrm>
+            <a:off x="7758235" y="4094424"/>
+            <a:ext cx="1676847" cy="523220"/>
+          </a:xfrm>
+          <a:prstGeom prst="rect">
+            <a:avLst/>
+          </a:prstGeom>
+          <a:noFill/>
+        </p:spPr>
+        <p:txBody>
+          <a:bodyPr wrap="square" rtlCol="0">
+            <a:spAutoFit/>
+          </a:bodyPr>
+          <a:lstStyle/>
+          <a:p>
+            <a:r>
+              <a:rPr lang="ru-RU" sz="1400" dirty="0">
+                <a:solidFill>
+                  <a:schemeClr val="accent2"/>
+                </a:solidFill>
+                <a:latin typeface="Arial" panose="020B0604020202020204" pitchFamily="34" charset="0"/>
+                <a:cs typeface="Arial" panose="020B0604020202020204" pitchFamily="34" charset="0"/>
+              </a:rPr>
+              <a:t>Нервные</a:t>
+            </a:r>
+          </a:p>
+          <a:p>
+            <a:r>
+              <a:rPr lang="ru-RU" sz="1400" dirty="0">
+                <a:solidFill>
+                  <a:schemeClr val="accent2"/>
+                </a:solidFill>
+                <a:latin typeface="Arial" panose="020B0604020202020204" pitchFamily="34" charset="0"/>
+                <a:cs typeface="Arial" panose="020B0604020202020204" pitchFamily="34" charset="0"/>
+              </a:rPr>
+              <a:t>импульсы</a:t>
+            </a:r>
+          </a:p>
+        </p:txBody>
+      </p:sp>
+    </p:spTree>
+    <p:extLst>
+      <p:ext uri="{BB962C8B-B14F-4D97-AF65-F5344CB8AC3E}">
+        <p14:creationId xmlns:p14="http://schemas.microsoft.com/office/powerpoint/2010/main" val="103909402"/>
+      </p:ext>
+    </p:extLst>
+  </p:cSld>
+  <p:clrMapOvr>
+    <a:masterClrMapping/>
+  </p:clrMapOvr>
+</p:sld>
+</file>
+
+<file path=ppt/slides/slide9.xml><?xml version="1.0" encoding="utf-8"?>
+<p:sld xmlns:a="http://schemas.openxmlformats.org/drawingml/2006/main" xmlns:r="http://schemas.openxmlformats.org/officeDocument/2006/relationships" xmlns:p="http://schemas.openxmlformats.org/presentationml/2006/main">
+  <p:cSld>
+    <p:spTree>
+      <p:nvGrpSpPr>
+        <p:cNvPr id="1" name=""/>
+        <p:cNvGrpSpPr/>
+        <p:nvPr/>
+      </p:nvGrpSpPr>
+      <p:grpSpPr>
+        <a:xfrm>
+          <a:off x="0" y="0"/>
+          <a:ext cx="0" cy="0"/>
+          <a:chOff x="0" y="0"/>
+          <a:chExt cx="0" cy="0"/>
+        </a:xfrm>
+      </p:grpSpPr>
+      <p:sp>
+        <p:nvSpPr>
+          <p:cNvPr id="4" name="Text Placeholder 1">
+            <a:extLst>
+              <a:ext uri="{FF2B5EF4-FFF2-40B4-BE49-F238E27FC236}">
+                <a16:creationId xmlns:a16="http://schemas.microsoft.com/office/drawing/2014/main" id="{CF2C5BAF-5C2B-6842-885A-77C6D1F4C962}"/>
+              </a:ext>
+            </a:extLst>
+          </p:cNvPr>
           <p:cNvSpPr txBox="1">
             <a:spLocks/>
           </p:cNvSpPr>
@@ -10356,111 +11578,128 @@
         </p:nvSpPr>
         <p:spPr>
           <a:xfrm>
-            <a:off x="625188" y="1624423"/>
-            <a:ext cx="10973254" cy="3701238"/>
+            <a:off x="0" y="0"/>
+            <a:ext cx="12192000" cy="699516"/>
           </a:xfrm>
           <a:prstGeom prst="rect">
             <a:avLst/>
           </a:prstGeom>
-        </p:spPr>
-        <p:txBody>
-          <a:bodyPr vert="horz" lIns="91440" tIns="45720" rIns="91440" bIns="45720" rtlCol="0">
-            <a:noAutofit/>
+          <a:solidFill>
+            <a:sysClr val="window" lastClr="FFFFFF"/>
+          </a:solidFill>
+          <a:ln>
+            <a:noFill/>
+          </a:ln>
+          <a:effectLst>
+            <a:outerShdw blurRad="40005" dist="25400" dir="5400000" algn="t" rotWithShape="0">
+              <a:prstClr val="black">
+                <a:alpha val="30000"/>
+              </a:prstClr>
+            </a:outerShdw>
+          </a:effectLst>
+        </p:spPr>
+        <p:txBody>
+          <a:bodyPr lIns="274320" tIns="34290" rIns="68580" bIns="34290" anchor="ctr" anchorCtr="0">
+            <a:normAutofit/>
           </a:bodyPr>
           <a:lstStyle>
-            <a:lvl1pPr marL="173736" marR="0" indent="-173736" algn="l" defTabSz="457200" rtl="0" eaLnBrk="1" fontAlgn="auto" latinLnBrk="0" hangingPunct="1">
-              <a:lnSpc>
-                <a:spcPct val="120000"/>
-              </a:lnSpc>
-              <a:spcBef>
-                <a:spcPts val="0"/>
-              </a:spcBef>
-              <a:spcAft>
-                <a:spcPts val="1000"/>
-              </a:spcAft>
-              <a:buClr>
-                <a:schemeClr val="accent2"/>
-              </a:buClr>
-              <a:buSzTx/>
+            <a:lvl1pPr marL="0" indent="0" algn="l" defTabSz="342900" rtl="0" eaLnBrk="1" latinLnBrk="0" hangingPunct="1">
+              <a:spcBef>
+                <a:spcPct val="20000"/>
+              </a:spcBef>
+              <a:buFont typeface="Arial"/>
+              <a:buNone/>
+              <a:defRPr sz="2000" kern="1200" baseline="0">
+                <a:solidFill>
+                  <a:schemeClr val="tx1"/>
+                </a:solidFill>
+                <a:latin typeface="Arial Black"/>
+                <a:ea typeface="+mn-ea"/>
+                <a:cs typeface="Arial Black"/>
+              </a:defRPr>
+            </a:lvl1pPr>
+            <a:lvl2pPr marL="557213" indent="-214313" algn="l" defTabSz="342900" rtl="0" eaLnBrk="1" latinLnBrk="0" hangingPunct="1">
+              <a:spcBef>
+                <a:spcPct val="20000"/>
+              </a:spcBef>
+              <a:buFont typeface="Arial"/>
+              <a:buChar char="–"/>
+              <a:defRPr sz="2100" kern="1200">
+                <a:solidFill>
+                  <a:schemeClr val="tx1"/>
+                </a:solidFill>
+                <a:latin typeface="+mn-lt"/>
+                <a:ea typeface="+mn-ea"/>
+                <a:cs typeface="+mn-cs"/>
+              </a:defRPr>
+            </a:lvl2pPr>
+            <a:lvl3pPr marL="857250" indent="-171450" algn="l" defTabSz="342900" rtl="0" eaLnBrk="1" latinLnBrk="0" hangingPunct="1">
+              <a:spcBef>
+                <a:spcPct val="20000"/>
+              </a:spcBef>
               <a:buFont typeface="Arial"/>
               <a:buChar char="•"/>
-              <a:tabLst/>
-              <a:defRPr sz="1600" kern="1200" baseline="0">
-                <a:solidFill>
-                  <a:schemeClr val="tx1"/>
-                </a:solidFill>
-                <a:latin typeface="Trebuchet MS"/>
-                <a:ea typeface="+mn-ea"/>
-                <a:cs typeface="Trebuchet MS"/>
-              </a:defRPr>
-            </a:lvl1pPr>
-            <a:lvl2pPr marL="742950" indent="-285750" algn="l" defTabSz="457200" rtl="0" eaLnBrk="1" latinLnBrk="0" hangingPunct="1">
+              <a:defRPr sz="1800" kern="1200">
+                <a:solidFill>
+                  <a:schemeClr val="tx1"/>
+                </a:solidFill>
+                <a:latin typeface="+mn-lt"/>
+                <a:ea typeface="+mn-ea"/>
+                <a:cs typeface="+mn-cs"/>
+              </a:defRPr>
+            </a:lvl3pPr>
+            <a:lvl4pPr marL="1200150" indent="-171450" algn="l" defTabSz="342900" rtl="0" eaLnBrk="1" latinLnBrk="0" hangingPunct="1">
               <a:spcBef>
                 <a:spcPct val="20000"/>
               </a:spcBef>
               <a:buFont typeface="Arial"/>
               <a:buChar char="–"/>
-              <a:defRPr sz="1600" kern="1200">
-                <a:solidFill>
-                  <a:schemeClr val="tx1"/>
-                </a:solidFill>
-                <a:latin typeface="Trebuchet MS"/>
-                <a:ea typeface="+mn-ea"/>
-                <a:cs typeface="Trebuchet MS"/>
-              </a:defRPr>
-            </a:lvl2pPr>
-            <a:lvl3pPr marL="1143000" indent="-228600" algn="l" defTabSz="457200" rtl="0" eaLnBrk="1" latinLnBrk="0" hangingPunct="1">
+              <a:defRPr sz="1500" kern="1200">
+                <a:solidFill>
+                  <a:schemeClr val="tx1"/>
+                </a:solidFill>
+                <a:latin typeface="+mn-lt"/>
+                <a:ea typeface="+mn-ea"/>
+                <a:cs typeface="+mn-cs"/>
+              </a:defRPr>
+            </a:lvl4pPr>
+            <a:lvl5pPr marL="1543050" indent="-171450" algn="l" defTabSz="342900" rtl="0" eaLnBrk="1" latinLnBrk="0" hangingPunct="1">
+              <a:spcBef>
+                <a:spcPct val="20000"/>
+              </a:spcBef>
+              <a:buFont typeface="Arial"/>
+              <a:buChar char="»"/>
+              <a:defRPr sz="1500" kern="1200">
+                <a:solidFill>
+                  <a:schemeClr val="tx1"/>
+                </a:solidFill>
+                <a:latin typeface="+mn-lt"/>
+                <a:ea typeface="+mn-ea"/>
+                <a:cs typeface="+mn-cs"/>
+              </a:defRPr>
+            </a:lvl5pPr>
+            <a:lvl6pPr marL="1885950" indent="-171450" algn="l" defTabSz="342900" rtl="0" eaLnBrk="1" latinLnBrk="0" hangingPunct="1">
               <a:spcBef>
                 <a:spcPct val="20000"/>
               </a:spcBef>
               <a:buFont typeface="Arial"/>
               <a:buChar char="•"/>
-              <a:defRPr sz="1600" kern="1200">
-                <a:solidFill>
-                  <a:schemeClr val="tx1"/>
-                </a:solidFill>
-                <a:latin typeface="Trebuchet MS"/>
-                <a:ea typeface="+mn-ea"/>
-                <a:cs typeface="Trebuchet MS"/>
-              </a:defRPr>
-            </a:lvl3pPr>
-            <a:lvl4pPr marL="1600200" indent="-228600" algn="l" defTabSz="457200" rtl="0" eaLnBrk="1" latinLnBrk="0" hangingPunct="1">
-              <a:spcBef>
-                <a:spcPct val="20000"/>
-              </a:spcBef>
-              <a:buFont typeface="Arial"/>
-              <a:buChar char="–"/>
-              <a:defRPr sz="1600" kern="1200">
-                <a:solidFill>
-                  <a:schemeClr val="tx1"/>
-                </a:solidFill>
-                <a:latin typeface="Trebuchet MS"/>
-                <a:ea typeface="+mn-ea"/>
-                <a:cs typeface="Trebuchet MS"/>
-              </a:defRPr>
-            </a:lvl4pPr>
-            <a:lvl5pPr marL="2057400" indent="-228600" algn="l" defTabSz="457200" rtl="0" eaLnBrk="1" latinLnBrk="0" hangingPunct="1">
-              <a:spcBef>
-                <a:spcPct val="20000"/>
-              </a:spcBef>
-              <a:buFont typeface="Arial"/>
-              <a:buChar char="»"/>
-              <a:defRPr sz="1600" kern="1200">
-                <a:solidFill>
-                  <a:schemeClr val="tx1"/>
-                </a:solidFill>
-                <a:latin typeface="Trebuchet MS"/>
-                <a:ea typeface="+mn-ea"/>
-                <a:cs typeface="Trebuchet MS"/>
-              </a:defRPr>
-            </a:lvl5pPr>
-            <a:lvl6pPr marL="2514600" indent="-228600" algn="l" defTabSz="457200" rtl="0" eaLnBrk="1" latinLnBrk="0" hangingPunct="1">
+              <a:defRPr sz="1500" kern="1200">
+                <a:solidFill>
+                  <a:schemeClr val="tx1"/>
+                </a:solidFill>
+                <a:latin typeface="+mn-lt"/>
+                <a:ea typeface="+mn-ea"/>
+                <a:cs typeface="+mn-cs"/>
+              </a:defRPr>
+            </a:lvl6pPr>
+            <a:lvl7pPr marL="2228850" indent="-171450" algn="l" defTabSz="342900" rtl="0" eaLnBrk="1" latinLnBrk="0" hangingPunct="1">
               <a:spcBef>
                 <a:spcPct val="20000"/>
               </a:spcBef>
               <a:buFont typeface="Arial"/>
               <a:buChar char="•"/>
-              <a:defRPr sz="2000" kern="1200">
+              <a:defRPr sz="1500" kern="1200">
                 <a:solidFill>
                   <a:schemeClr val="tx1"/>
                 </a:solidFill>
@@ -10468,14 +11707,14 @@
                 <a:ea typeface="+mn-ea"/>
                 <a:cs typeface="+mn-cs"/>
               </a:defRPr>
-            </a:lvl6pPr>
-            <a:lvl7pPr marL="2971800" indent="-228600" algn="l" defTabSz="457200" rtl="0" eaLnBrk="1" latinLnBrk="0" hangingPunct="1">
+            </a:lvl7pPr>
+            <a:lvl8pPr marL="2571750" indent="-171450" algn="l" defTabSz="342900" rtl="0" eaLnBrk="1" latinLnBrk="0" hangingPunct="1">
               <a:spcBef>
                 <a:spcPct val="20000"/>
               </a:spcBef>
               <a:buFont typeface="Arial"/>
               <a:buChar char="•"/>
-              <a:defRPr sz="2000" kern="1200">
+              <a:defRPr sz="1500" kern="1200">
                 <a:solidFill>
                   <a:schemeClr val="tx1"/>
                 </a:solidFill>
@@ -10483,29 +11722,14 @@
                 <a:ea typeface="+mn-ea"/>
                 <a:cs typeface="+mn-cs"/>
               </a:defRPr>
-            </a:lvl7pPr>
-            <a:lvl8pPr marL="3429000" indent="-228600" algn="l" defTabSz="457200" rtl="0" eaLnBrk="1" latinLnBrk="0" hangingPunct="1">
+            </a:lvl8pPr>
+            <a:lvl9pPr marL="2914650" indent="-171450" algn="l" defTabSz="342900" rtl="0" eaLnBrk="1" latinLnBrk="0" hangingPunct="1">
               <a:spcBef>
                 <a:spcPct val="20000"/>
               </a:spcBef>
               <a:buFont typeface="Arial"/>
               <a:buChar char="•"/>
-              <a:defRPr sz="2000" kern="1200">
-                <a:solidFill>
-                  <a:schemeClr val="tx1"/>
-                </a:solidFill>
-                <a:latin typeface="+mn-lt"/>
-                <a:ea typeface="+mn-ea"/>
-                <a:cs typeface="+mn-cs"/>
-              </a:defRPr>
-            </a:lvl8pPr>
-            <a:lvl9pPr marL="3886200" indent="-228600" algn="l" defTabSz="457200" rtl="0" eaLnBrk="1" latinLnBrk="0" hangingPunct="1">
-              <a:spcBef>
-                <a:spcPct val="20000"/>
-              </a:spcBef>
-              <a:buFont typeface="Arial"/>
-              <a:buChar char="•"/>
-              <a:defRPr sz="2000" kern="1200">
+              <a:defRPr sz="1500" kern="1200">
                 <a:solidFill>
                   <a:schemeClr val="tx1"/>
                 </a:solidFill>
@@ -10516,26 +11740,40 @@
             </a:lvl9pPr>
           </a:lstStyle>
           <a:p>
-            <a:pPr marL="173736" marR="0" lvl="0" indent="-173736" algn="l" defTabSz="457200" rtl="0" eaLnBrk="1" fontAlgn="auto" latinLnBrk="0" hangingPunct="1">
+            <a:pPr marL="0" marR="0" lvl="0" indent="0" algn="l" defTabSz="342900" rtl="0" eaLnBrk="1" fontAlgn="auto" latinLnBrk="0" hangingPunct="1">
               <a:lnSpc>
                 <a:spcPct val="100000"/>
               </a:lnSpc>
               <a:spcBef>
+                <a:spcPct val="20000"/>
+              </a:spcBef>
+              <a:spcAft>
                 <a:spcPts val="0"/>
-              </a:spcBef>
-              <a:spcAft>
-                <a:spcPts val="1000"/>
               </a:spcAft>
-              <a:buClr>
-                <a:srgbClr val="39C2D7"/>
-              </a:buClr>
+              <a:buClrTx/>
               <a:buSzTx/>
-              <a:buFont typeface="Wingdings" panose="05000000000000000000" pitchFamily="2" charset="2"/>
-              <a:buChar char="Ø"/>
+              <a:buFont typeface="Arial"/>
+              <a:buNone/>
               <a:tabLst/>
               <a:defRPr/>
             </a:pPr>
-            <a:endParaRPr kumimoji="0" lang="ru-RU" altLang="en-US" sz="1200" b="0" i="0" u="none" strike="noStrike" kern="1200" cap="none" spc="0" normalizeH="0" baseline="0" noProof="0" dirty="0">
+            <a:r>
+              <a:rPr kumimoji="0" lang="ru-RU" sz="2400" b="0" i="0" u="none" strike="noStrike" kern="1200" cap="none" spc="0" normalizeH="0" baseline="0" noProof="0" dirty="0">
+                <a:ln>
+                  <a:noFill/>
+                </a:ln>
+                <a:solidFill>
+                  <a:srgbClr val="464547"/>
+                </a:solidFill>
+                <a:effectLst/>
+                <a:uLnTx/>
+                <a:uFillTx/>
+                <a:latin typeface="Trebuchet MS"/>
+                <a:ea typeface="+mn-ea"/>
+              </a:rPr>
+              <a:t>ВЫВОДЫ И ОБСУЖДЕНИЕ</a:t>
+            </a:r>
+            <a:endParaRPr kumimoji="0" lang="en-US" sz="2400" b="0" i="0" u="none" strike="noStrike" kern="1200" cap="none" spc="0" normalizeH="0" baseline="0" noProof="0" dirty="0">
               <a:ln>
                 <a:noFill/>
               </a:ln>
@@ -10553,182 +11791,62 @@
       </p:sp>
       <p:sp>
         <p:nvSpPr>
-          <p:cNvPr id="8" name="Content Placeholder 2"/>
-          <p:cNvSpPr>
-            <a:spLocks noGrp="1"/>
-          </p:cNvSpPr>
-          <p:nvPr>
-            <p:ph idx="1"/>
-          </p:nvPr>
+          <p:cNvPr id="5" name="Rectangle 4">
+            <a:extLst>
+              <a:ext uri="{FF2B5EF4-FFF2-40B4-BE49-F238E27FC236}">
+                <a16:creationId xmlns:a16="http://schemas.microsoft.com/office/drawing/2014/main" id="{2DDE1FF7-D33B-D74E-85A9-202EB2437051}"/>
+              </a:ext>
+            </a:extLst>
+          </p:cNvPr>
+          <p:cNvSpPr/>
+          <p:nvPr/>
         </p:nvSpPr>
         <p:spPr>
           <a:xfrm>
-            <a:off x="625188" y="1624423"/>
-            <a:ext cx="11414412" cy="4552540"/>
-          </a:xfrm>
-        </p:spPr>
-        <p:txBody>
-          <a:bodyPr>
-            <a:normAutofit/>
+            <a:off x="2527495" y="5807631"/>
+            <a:ext cx="7784123" cy="369332"/>
+          </a:xfrm>
+          <a:prstGeom prst="rect">
+            <a:avLst/>
+          </a:prstGeom>
+        </p:spPr>
+        <p:txBody>
+          <a:bodyPr wrap="square">
+            <a:spAutoFit/>
           </a:bodyPr>
           <a:lstStyle/>
           <a:p>
-            <a:pPr marL="0" indent="0" algn="just">
-              <a:buNone/>
-            </a:pPr>
-            <a:r>
-              <a:rPr lang="ru-RU" sz="1600" b="1" dirty="0">
-                <a:latin typeface="Arial" panose="020B0604020202020204" pitchFamily="34" charset="0"/>
-                <a:cs typeface="Arial" panose="020B0604020202020204" pitchFamily="34" charset="0"/>
-              </a:rPr>
-              <a:t>1. Моделирование реакции слухового нерва. </a:t>
-            </a:r>
-          </a:p>
-          <a:p>
-            <a:pPr algn="just"/>
-            <a:r>
-              <a:rPr lang="ru-RU" sz="1600" i="1" dirty="0">
-                <a:latin typeface="Arial" panose="020B0604020202020204" pitchFamily="34" charset="0"/>
-                <a:cs typeface="Arial" panose="020B0604020202020204" pitchFamily="34" charset="0"/>
-              </a:rPr>
-              <a:t>Исходные данные </a:t>
-            </a:r>
-            <a:r>
-              <a:rPr lang="ru-RU" sz="1600" dirty="0">
-                <a:latin typeface="Arial" panose="020B0604020202020204" pitchFamily="34" charset="0"/>
-                <a:cs typeface="Arial" panose="020B0604020202020204" pitchFamily="34" charset="0"/>
-              </a:rPr>
-              <a:t>- речевые сигналы в виде </a:t>
-            </a:r>
-            <a:r>
-              <a:rPr lang="en-US" sz="1600" dirty="0">
-                <a:latin typeface="Arial" panose="020B0604020202020204" pitchFamily="34" charset="0"/>
-                <a:cs typeface="Arial" panose="020B0604020202020204" pitchFamily="34" charset="0"/>
-              </a:rPr>
-              <a:t>WAV-</a:t>
-            </a:r>
-            <a:r>
-              <a:rPr lang="ru-RU" sz="1600" dirty="0">
-                <a:latin typeface="Arial" panose="020B0604020202020204" pitchFamily="34" charset="0"/>
-                <a:cs typeface="Arial" panose="020B0604020202020204" pitchFamily="34" charset="0"/>
-              </a:rPr>
-              <a:t>файлов. </a:t>
-            </a:r>
-          </a:p>
-          <a:p>
-            <a:pPr algn="just"/>
-            <a:r>
-              <a:rPr lang="ru-RU" sz="1600" i="1" dirty="0">
-                <a:latin typeface="Arial" panose="020B0604020202020204" pitchFamily="34" charset="0"/>
-                <a:cs typeface="Arial" panose="020B0604020202020204" pitchFamily="34" charset="0"/>
-              </a:rPr>
-              <a:t>Задача</a:t>
-            </a:r>
-            <a:r>
-              <a:rPr lang="ru-RU" sz="1600" dirty="0">
-                <a:latin typeface="Arial" panose="020B0604020202020204" pitchFamily="34" charset="0"/>
-                <a:cs typeface="Arial" panose="020B0604020202020204" pitchFamily="34" charset="0"/>
-              </a:rPr>
-              <a:t> - параметризация речевого сигнала с использованием имитационной модели слуховой периферии. </a:t>
-            </a:r>
-          </a:p>
-          <a:p>
-            <a:pPr algn="just"/>
-            <a:r>
-              <a:rPr lang="ru-RU" sz="1600" i="1" dirty="0">
-                <a:latin typeface="Arial" panose="020B0604020202020204" pitchFamily="34" charset="0"/>
-                <a:cs typeface="Arial" panose="020B0604020202020204" pitchFamily="34" charset="0"/>
-              </a:rPr>
-              <a:t>Цель</a:t>
-            </a:r>
-            <a:r>
-              <a:rPr lang="ru-RU" sz="1600" dirty="0">
-                <a:latin typeface="Arial" panose="020B0604020202020204" pitchFamily="34" charset="0"/>
-                <a:cs typeface="Arial" panose="020B0604020202020204" pitchFamily="34" charset="0"/>
-              </a:rPr>
-              <a:t> - подготовка входных данных для классификатора.</a:t>
-            </a:r>
-          </a:p>
-          <a:p>
-            <a:pPr algn="just"/>
-            <a:endParaRPr lang="ru-RU" sz="1600" dirty="0">
-              <a:latin typeface="Arial" panose="020B0604020202020204" pitchFamily="34" charset="0"/>
-              <a:cs typeface="Arial" panose="020B0604020202020204" pitchFamily="34" charset="0"/>
-            </a:endParaRPr>
-          </a:p>
-          <a:p>
-            <a:pPr marL="0" indent="0" algn="just">
-              <a:buNone/>
-            </a:pPr>
-            <a:r>
-              <a:rPr lang="ru-RU" sz="1600" b="1" dirty="0">
-                <a:latin typeface="Arial" panose="020B0604020202020204" pitchFamily="34" charset="0"/>
-                <a:cs typeface="Arial" panose="020B0604020202020204" pitchFamily="34" charset="0"/>
-              </a:rPr>
-              <a:t>2. Разработка системы классификации нестационарных потоков многомерных данных в реальном времени.</a:t>
-            </a:r>
-          </a:p>
-          <a:p>
-            <a:pPr algn="just"/>
-            <a:r>
-              <a:rPr lang="ru-RU" sz="1600" i="1" dirty="0">
-                <a:latin typeface="Arial" panose="020B0604020202020204" pitchFamily="34" charset="0"/>
-                <a:cs typeface="Arial" panose="020B0604020202020204" pitchFamily="34" charset="0"/>
-              </a:rPr>
-              <a:t>Исходные данные </a:t>
-            </a:r>
-            <a:r>
-              <a:rPr lang="ru-RU" sz="1600" dirty="0">
-                <a:latin typeface="Arial" panose="020B0604020202020204" pitchFamily="34" charset="0"/>
-                <a:cs typeface="Arial" panose="020B0604020202020204" pitchFamily="34" charset="0"/>
-              </a:rPr>
-              <a:t>- многомерная матрица данных характеризующая паттерн активности волокон слухового нерва.</a:t>
-            </a:r>
-          </a:p>
-          <a:p>
-            <a:pPr algn="just"/>
-            <a:r>
-              <a:rPr lang="ru-RU" sz="1600" i="1" dirty="0">
-                <a:latin typeface="Arial" panose="020B0604020202020204" pitchFamily="34" charset="0"/>
-                <a:cs typeface="Arial" panose="020B0604020202020204" pitchFamily="34" charset="0"/>
-              </a:rPr>
-              <a:t>Задача</a:t>
-            </a:r>
-            <a:r>
-              <a:rPr lang="ru-RU" sz="1600" dirty="0">
-                <a:latin typeface="Arial" panose="020B0604020202020204" pitchFamily="34" charset="0"/>
-                <a:cs typeface="Arial" panose="020B0604020202020204" pitchFamily="34" charset="0"/>
-              </a:rPr>
-              <a:t> - реализация гибридного алгоритма динамического обучения.</a:t>
-            </a:r>
-          </a:p>
-          <a:p>
-            <a:pPr algn="just"/>
-            <a:r>
-              <a:rPr lang="ru-RU" sz="1600" i="1" dirty="0">
-                <a:latin typeface="Arial" panose="020B0604020202020204" pitchFamily="34" charset="0"/>
-                <a:cs typeface="Arial" panose="020B0604020202020204" pitchFamily="34" charset="0"/>
-              </a:rPr>
-              <a:t>Цель</a:t>
-            </a:r>
-            <a:r>
-              <a:rPr lang="ru-RU" sz="1600" dirty="0">
-                <a:latin typeface="Arial" panose="020B0604020202020204" pitchFamily="34" charset="0"/>
-                <a:cs typeface="Arial" panose="020B0604020202020204" pitchFamily="34" charset="0"/>
-              </a:rPr>
-              <a:t> - создание прогнозирующих моделей входных сигналов и их классификация.</a:t>
-            </a:r>
-            <a:endParaRPr lang="en-US" sz="1600" dirty="0">
-              <a:latin typeface="Arial" panose="020B0604020202020204" pitchFamily="34" charset="0"/>
-              <a:cs typeface="Arial" panose="020B0604020202020204" pitchFamily="34" charset="0"/>
-            </a:endParaRPr>
+            <a:r>
+              <a:rPr lang="ru-RU" dirty="0" err="1"/>
+              <a:t>https</a:t>
+            </a:r>
+            <a:r>
+              <a:rPr lang="ru-RU" dirty="0"/>
+              <a:t>://</a:t>
+            </a:r>
+            <a:r>
+              <a:rPr lang="ru-RU" dirty="0" err="1"/>
+              <a:t>github.com</a:t>
+            </a:r>
+            <a:r>
+              <a:rPr lang="ru-RU" dirty="0"/>
+              <a:t>/</a:t>
+            </a:r>
+            <a:r>
+              <a:rPr lang="ru-RU" dirty="0" err="1"/>
+              <a:t>curiousfreckles</a:t>
+            </a:r>
+            <a:r>
+              <a:rPr lang="ru-RU" dirty="0"/>
+              <a:t>/BioHack2019_machine_hearing</a:t>
+            </a:r>
           </a:p>
         </p:txBody>
       </p:sp>
     </p:spTree>
     <p:extLst>
       <p:ext uri="{BB962C8B-B14F-4D97-AF65-F5344CB8AC3E}">
-        <p14:creationId xmlns:p14="http://schemas.microsoft.com/office/powerpoint/2010/main" val="3738495040"/>
+        <p14:creationId xmlns:p14="http://schemas.microsoft.com/office/powerpoint/2010/main" val="2214862414"/>
       </p:ext>
     </p:extLst>
   </p:cSld>
